--- a/produção/ViasProdução/GliconeogenseApp.pptx
+++ b/produção/ViasProdução/GliconeogenseApp.pptx
@@ -19,6 +19,12 @@
     <p:sldId id="268" r:id="rId13"/>
     <p:sldId id="269" r:id="rId14"/>
     <p:sldId id="270" r:id="rId15"/>
+    <p:sldId id="273" r:id="rId16"/>
+    <p:sldId id="274" r:id="rId17"/>
+    <p:sldId id="275" r:id="rId18"/>
+    <p:sldId id="276" r:id="rId19"/>
+    <p:sldId id="277" r:id="rId20"/>
+    <p:sldId id="278" r:id="rId21"/>
   </p:sldIdLst>
   <p:sldSz cx="8999538" cy="10799763"/>
   <p:notesSz cx="6858000" cy="9144000"/>
@@ -256,7 +262,7 @@
           <a:p>
             <a:fld id="{04E0E5B2-2F7A-429D-95FE-E82412FF2C55}" type="datetimeFigureOut">
               <a:rPr lang="pt-BR" smtClean="0"/>
-              <a:t>06/11/2023</a:t>
+              <a:t>08/11/2023</a:t>
             </a:fld>
             <a:endParaRPr lang="pt-BR"/>
           </a:p>
@@ -426,7 +432,7 @@
           <a:p>
             <a:fld id="{04E0E5B2-2F7A-429D-95FE-E82412FF2C55}" type="datetimeFigureOut">
               <a:rPr lang="pt-BR" smtClean="0"/>
-              <a:t>06/11/2023</a:t>
+              <a:t>08/11/2023</a:t>
             </a:fld>
             <a:endParaRPr lang="pt-BR"/>
           </a:p>
@@ -606,7 +612,7 @@
           <a:p>
             <a:fld id="{04E0E5B2-2F7A-429D-95FE-E82412FF2C55}" type="datetimeFigureOut">
               <a:rPr lang="pt-BR" smtClean="0"/>
-              <a:t>06/11/2023</a:t>
+              <a:t>08/11/2023</a:t>
             </a:fld>
             <a:endParaRPr lang="pt-BR"/>
           </a:p>
@@ -776,7 +782,7 @@
           <a:p>
             <a:fld id="{04E0E5B2-2F7A-429D-95FE-E82412FF2C55}" type="datetimeFigureOut">
               <a:rPr lang="pt-BR" smtClean="0"/>
-              <a:t>06/11/2023</a:t>
+              <a:t>08/11/2023</a:t>
             </a:fld>
             <a:endParaRPr lang="pt-BR"/>
           </a:p>
@@ -1020,7 +1026,7 @@
           <a:p>
             <a:fld id="{04E0E5B2-2F7A-429D-95FE-E82412FF2C55}" type="datetimeFigureOut">
               <a:rPr lang="pt-BR" smtClean="0"/>
-              <a:t>06/11/2023</a:t>
+              <a:t>08/11/2023</a:t>
             </a:fld>
             <a:endParaRPr lang="pt-BR"/>
           </a:p>
@@ -1252,7 +1258,7 @@
           <a:p>
             <a:fld id="{04E0E5B2-2F7A-429D-95FE-E82412FF2C55}" type="datetimeFigureOut">
               <a:rPr lang="pt-BR" smtClean="0"/>
-              <a:t>06/11/2023</a:t>
+              <a:t>08/11/2023</a:t>
             </a:fld>
             <a:endParaRPr lang="pt-BR"/>
           </a:p>
@@ -1619,7 +1625,7 @@
           <a:p>
             <a:fld id="{04E0E5B2-2F7A-429D-95FE-E82412FF2C55}" type="datetimeFigureOut">
               <a:rPr lang="pt-BR" smtClean="0"/>
-              <a:t>06/11/2023</a:t>
+              <a:t>08/11/2023</a:t>
             </a:fld>
             <a:endParaRPr lang="pt-BR"/>
           </a:p>
@@ -1737,7 +1743,7 @@
           <a:p>
             <a:fld id="{04E0E5B2-2F7A-429D-95FE-E82412FF2C55}" type="datetimeFigureOut">
               <a:rPr lang="pt-BR" smtClean="0"/>
-              <a:t>06/11/2023</a:t>
+              <a:t>08/11/2023</a:t>
             </a:fld>
             <a:endParaRPr lang="pt-BR"/>
           </a:p>
@@ -1832,7 +1838,7 @@
           <a:p>
             <a:fld id="{04E0E5B2-2F7A-429D-95FE-E82412FF2C55}" type="datetimeFigureOut">
               <a:rPr lang="pt-BR" smtClean="0"/>
-              <a:t>06/11/2023</a:t>
+              <a:t>08/11/2023</a:t>
             </a:fld>
             <a:endParaRPr lang="pt-BR"/>
           </a:p>
@@ -2109,7 +2115,7 @@
           <a:p>
             <a:fld id="{04E0E5B2-2F7A-429D-95FE-E82412FF2C55}" type="datetimeFigureOut">
               <a:rPr lang="pt-BR" smtClean="0"/>
-              <a:t>06/11/2023</a:t>
+              <a:t>08/11/2023</a:t>
             </a:fld>
             <a:endParaRPr lang="pt-BR"/>
           </a:p>
@@ -2366,7 +2372,7 @@
           <a:p>
             <a:fld id="{04E0E5B2-2F7A-429D-95FE-E82412FF2C55}" type="datetimeFigureOut">
               <a:rPr lang="pt-BR" smtClean="0"/>
-              <a:t>06/11/2023</a:t>
+              <a:t>08/11/2023</a:t>
             </a:fld>
             <a:endParaRPr lang="pt-BR"/>
           </a:p>
@@ -2582,7 +2588,7 @@
           <a:p>
             <a:fld id="{04E0E5B2-2F7A-429D-95FE-E82412FF2C55}" type="datetimeFigureOut">
               <a:rPr lang="pt-BR" smtClean="0"/>
-              <a:t>06/11/2023</a:t>
+              <a:t>08/11/2023</a:t>
             </a:fld>
             <a:endParaRPr lang="pt-BR"/>
           </a:p>
@@ -7576,7 +7582,7 @@
               <a:defRPr/>
             </a:pPr>
             <a:r>
-              <a:rPr lang="pt-BR" sz="3600" b="1" spc="-4" dirty="0" err="1">
+              <a:rPr lang="pt-BR" sz="3600" b="1" spc="-4" dirty="0">
                 <a:solidFill>
                   <a:prstClr val="white"/>
                 </a:solidFill>
@@ -7584,12 +7590,6 @@
               </a:rPr>
               <a:t>Aldolase</a:t>
             </a:r>
-            <a:endParaRPr lang="pt-BR" sz="3600" b="1" spc="-4" dirty="0">
-              <a:solidFill>
-                <a:prstClr val="white"/>
-              </a:solidFill>
-              <a:latin typeface="Bell MT"/>
-            </a:endParaRPr>
           </a:p>
         </p:txBody>
       </p:sp>
@@ -7765,7 +7765,7 @@
               <a:defRPr/>
             </a:pPr>
             <a:r>
-              <a:rPr lang="pt-BR" sz="3600" b="1" spc="-4" dirty="0" err="1">
+              <a:rPr lang="pt-BR" sz="3600" b="1" spc="-4" dirty="0">
                 <a:solidFill>
                   <a:prstClr val="white"/>
                 </a:solidFill>
@@ -7773,12 +7773,6 @@
               </a:rPr>
               <a:t>Aldolase</a:t>
             </a:r>
-            <a:endParaRPr lang="pt-BR" sz="3600" b="1" spc="-4" dirty="0">
-              <a:solidFill>
-                <a:prstClr val="white"/>
-              </a:solidFill>
-              <a:latin typeface="Bell MT"/>
-            </a:endParaRPr>
           </a:p>
         </p:txBody>
       </p:sp>
@@ -7998,6 +7992,2495 @@
     <p:extLst>
       <p:ext uri="{BB962C8B-B14F-4D97-AF65-F5344CB8AC3E}">
         <p14:creationId xmlns:p14="http://schemas.microsoft.com/office/powerpoint/2010/main" val="168541119"/>
+      </p:ext>
+    </p:extLst>
+  </p:cSld>
+  <p:clrMapOvr>
+    <a:masterClrMapping/>
+  </p:clrMapOvr>
+</p:sld>
+</file>
+
+<file path=ppt/slides/slide15.xml><?xml version="1.0" encoding="utf-8"?>
+<p:sld xmlns:a="http://schemas.openxmlformats.org/drawingml/2006/main" xmlns:r="http://schemas.openxmlformats.org/officeDocument/2006/relationships" xmlns:p="http://schemas.openxmlformats.org/presentationml/2006/main">
+  <p:cSld>
+    <p:spTree>
+      <p:nvGrpSpPr>
+        <p:cNvPr id="1" name=""/>
+        <p:cNvGrpSpPr/>
+        <p:nvPr/>
+      </p:nvGrpSpPr>
+      <p:grpSpPr>
+        <a:xfrm>
+          <a:off x="0" y="0"/>
+          <a:ext cx="0" cy="0"/>
+          <a:chOff x="0" y="0"/>
+          <a:chExt cx="0" cy="0"/>
+        </a:xfrm>
+      </p:grpSpPr>
+      <p:sp>
+        <p:nvSpPr>
+          <p:cNvPr id="17" name="Retângulo: Cantos Arredondados 16">
+            <a:extLst>
+              <a:ext uri="{FF2B5EF4-FFF2-40B4-BE49-F238E27FC236}">
+                <a16:creationId xmlns:a16="http://schemas.microsoft.com/office/drawing/2014/main" id="{0303635B-8945-4F9B-B36B-C74207A09B3C}"/>
+              </a:ext>
+            </a:extLst>
+          </p:cNvPr>
+          <p:cNvSpPr/>
+          <p:nvPr/>
+        </p:nvSpPr>
+        <p:spPr>
+          <a:xfrm>
+            <a:off x="4084225" y="6535208"/>
+            <a:ext cx="4486936" cy="846101"/>
+          </a:xfrm>
+          <a:prstGeom prst="roundRect">
+            <a:avLst/>
+          </a:prstGeom>
+          <a:solidFill>
+            <a:srgbClr val="E58E57"/>
+          </a:solidFill>
+          <a:ln w="76200">
+            <a:solidFill>
+              <a:schemeClr val="bg1"/>
+            </a:solidFill>
+          </a:ln>
+        </p:spPr>
+        <p:style>
+          <a:lnRef idx="2">
+            <a:schemeClr val="accent1">
+              <a:shade val="50000"/>
+            </a:schemeClr>
+          </a:lnRef>
+          <a:fillRef idx="1">
+            <a:schemeClr val="accent1"/>
+          </a:fillRef>
+          <a:effectRef idx="0">
+            <a:schemeClr val="accent1"/>
+          </a:effectRef>
+          <a:fontRef idx="minor">
+            <a:schemeClr val="lt1"/>
+          </a:fontRef>
+        </p:style>
+        <p:txBody>
+          <a:bodyPr rtlCol="0" anchor="ctr"/>
+          <a:lstStyle/>
+          <a:p>
+            <a:pPr algn="ctr" defTabSz="914445">
+              <a:defRPr/>
+            </a:pPr>
+            <a:r>
+              <a:rPr lang="pt-BR" sz="3600" b="1" dirty="0">
+                <a:solidFill>
+                  <a:schemeClr val="tx1"/>
+                </a:solidFill>
+                <a:latin typeface="Times New Roman" panose="02020603050405020304" pitchFamily="18" charset="0"/>
+                <a:cs typeface="Times New Roman" panose="02020603050405020304" pitchFamily="18" charset="0"/>
+              </a:rPr>
+              <a:t>?</a:t>
+            </a:r>
+          </a:p>
+        </p:txBody>
+      </p:sp>
+      <p:sp>
+        <p:nvSpPr>
+          <p:cNvPr id="18" name="CustomShape 3">
+            <a:extLst>
+              <a:ext uri="{FF2B5EF4-FFF2-40B4-BE49-F238E27FC236}">
+                <a16:creationId xmlns:a16="http://schemas.microsoft.com/office/drawing/2014/main" id="{CC80BCD1-7986-47BF-93BA-9F8145C2A1CE}"/>
+              </a:ext>
+            </a:extLst>
+          </p:cNvPr>
+          <p:cNvSpPr/>
+          <p:nvPr/>
+        </p:nvSpPr>
+        <p:spPr>
+          <a:xfrm>
+            <a:off x="631497" y="4867974"/>
+            <a:ext cx="5136260" cy="644883"/>
+          </a:xfrm>
+          <a:prstGeom prst="rect">
+            <a:avLst/>
+          </a:prstGeom>
+          <a:noFill/>
+          <a:ln>
+            <a:noFill/>
+          </a:ln>
+        </p:spPr>
+        <p:style>
+          <a:lnRef idx="0">
+            <a:scrgbClr r="0" g="0" b="0"/>
+          </a:lnRef>
+          <a:fillRef idx="0">
+            <a:scrgbClr r="0" g="0" b="0"/>
+          </a:fillRef>
+          <a:effectRef idx="0">
+            <a:scrgbClr r="0" g="0" b="0"/>
+          </a:effectRef>
+          <a:fontRef idx="minor"/>
+        </p:style>
+        <p:txBody>
+          <a:bodyPr wrap="square" lIns="90002" tIns="45003" rIns="90002" bIns="45003">
+            <a:spAutoFit/>
+          </a:bodyPr>
+          <a:lstStyle/>
+          <a:p>
+            <a:pPr algn="r" defTabSz="914445">
+              <a:defRPr/>
+            </a:pPr>
+            <a:r>
+              <a:rPr lang="pt-BR" sz="3600" b="1" spc="-4" dirty="0">
+                <a:solidFill>
+                  <a:prstClr val="white"/>
+                </a:solidFill>
+                <a:latin typeface="Bell MT"/>
+              </a:rPr>
+              <a:t>Frutose-1,6-bifosfatase</a:t>
+            </a:r>
+          </a:p>
+        </p:txBody>
+      </p:sp>
+      <p:cxnSp>
+        <p:nvCxnSpPr>
+          <p:cNvPr id="31" name="Conector reto 30">
+            <a:extLst>
+              <a:ext uri="{FF2B5EF4-FFF2-40B4-BE49-F238E27FC236}">
+                <a16:creationId xmlns:a16="http://schemas.microsoft.com/office/drawing/2014/main" id="{85C0BB67-F4B6-4713-8ABD-5EF8FCB13CCC}"/>
+              </a:ext>
+            </a:extLst>
+          </p:cNvPr>
+          <p:cNvCxnSpPr>
+            <a:cxnSpLocks/>
+          </p:cNvCxnSpPr>
+          <p:nvPr/>
+        </p:nvCxnSpPr>
+        <p:spPr>
+          <a:xfrm>
+            <a:off x="5898432" y="4098609"/>
+            <a:ext cx="0" cy="2267556"/>
+          </a:xfrm>
+          <a:prstGeom prst="line">
+            <a:avLst/>
+          </a:prstGeom>
+          <a:ln w="76200">
+            <a:solidFill>
+              <a:schemeClr val="bg1"/>
+            </a:solidFill>
+            <a:headEnd type="none" w="med" len="med"/>
+            <a:tailEnd type="triangle" w="med" len="med"/>
+          </a:ln>
+        </p:spPr>
+        <p:style>
+          <a:lnRef idx="1">
+            <a:schemeClr val="accent1"/>
+          </a:lnRef>
+          <a:fillRef idx="0">
+            <a:schemeClr val="accent1"/>
+          </a:fillRef>
+          <a:effectRef idx="0">
+            <a:schemeClr val="accent1"/>
+          </a:effectRef>
+          <a:fontRef idx="minor">
+            <a:schemeClr val="tx1"/>
+          </a:fontRef>
+        </p:style>
+      </p:cxnSp>
+      <p:pic>
+        <p:nvPicPr>
+          <p:cNvPr id="32" name="Imagem 31">
+            <a:extLst>
+              <a:ext uri="{FF2B5EF4-FFF2-40B4-BE49-F238E27FC236}">
+                <a16:creationId xmlns:a16="http://schemas.microsoft.com/office/drawing/2014/main" id="{F4464296-969F-4888-90B3-EAFBE02490F7}"/>
+              </a:ext>
+            </a:extLst>
+          </p:cNvPr>
+          <p:cNvPicPr>
+            <a:picLocks noChangeAspect="1"/>
+          </p:cNvPicPr>
+          <p:nvPr/>
+        </p:nvPicPr>
+        <p:blipFill>
+          <a:blip r:embed="rId2"/>
+          <a:stretch>
+            <a:fillRect/>
+          </a:stretch>
+        </p:blipFill>
+        <p:spPr>
+          <a:xfrm>
+            <a:off x="575565" y="507967"/>
+            <a:ext cx="5248123" cy="3337656"/>
+          </a:xfrm>
+          <a:prstGeom prst="rect">
+            <a:avLst/>
+          </a:prstGeom>
+        </p:spPr>
+      </p:pic>
+      <p:sp>
+        <p:nvSpPr>
+          <p:cNvPr id="33" name="Retângulo: Cantos Arredondados 32">
+            <a:extLst>
+              <a:ext uri="{FF2B5EF4-FFF2-40B4-BE49-F238E27FC236}">
+                <a16:creationId xmlns:a16="http://schemas.microsoft.com/office/drawing/2014/main" id="{17CCCFAE-544D-4143-9024-513C3201EE32}"/>
+              </a:ext>
+            </a:extLst>
+          </p:cNvPr>
+          <p:cNvSpPr/>
+          <p:nvPr/>
+        </p:nvSpPr>
+        <p:spPr>
+          <a:xfrm>
+            <a:off x="4084226" y="2999523"/>
+            <a:ext cx="4486935" cy="846101"/>
+          </a:xfrm>
+          <a:prstGeom prst="roundRect">
+            <a:avLst/>
+          </a:prstGeom>
+          <a:solidFill>
+            <a:schemeClr val="tx1">
+              <a:lumMod val="65000"/>
+              <a:lumOff val="35000"/>
+            </a:schemeClr>
+          </a:solidFill>
+          <a:ln w="76200">
+            <a:solidFill>
+              <a:schemeClr val="bg1"/>
+            </a:solidFill>
+          </a:ln>
+        </p:spPr>
+        <p:style>
+          <a:lnRef idx="2">
+            <a:schemeClr val="accent1">
+              <a:shade val="50000"/>
+            </a:schemeClr>
+          </a:lnRef>
+          <a:fillRef idx="1">
+            <a:schemeClr val="accent1"/>
+          </a:fillRef>
+          <a:effectRef idx="0">
+            <a:schemeClr val="accent1"/>
+          </a:effectRef>
+          <a:fontRef idx="minor">
+            <a:schemeClr val="lt1"/>
+          </a:fontRef>
+        </p:style>
+        <p:txBody>
+          <a:bodyPr rtlCol="0" anchor="ctr"/>
+          <a:lstStyle/>
+          <a:p>
+            <a:pPr algn="ctr" defTabSz="914445">
+              <a:defRPr/>
+            </a:pPr>
+            <a:r>
+              <a:rPr lang="pt-BR" sz="3600" b="1" dirty="0">
+                <a:solidFill>
+                  <a:schemeClr val="accent4">
+                    <a:lumMod val="40000"/>
+                    <a:lumOff val="60000"/>
+                  </a:schemeClr>
+                </a:solidFill>
+                <a:latin typeface="Times New Roman" panose="02020603050405020304" pitchFamily="18" charset="0"/>
+                <a:cs typeface="Times New Roman" panose="02020603050405020304" pitchFamily="18" charset="0"/>
+              </a:rPr>
+              <a:t>Frutose-1,6-bifosfato</a:t>
+            </a:r>
+          </a:p>
+        </p:txBody>
+      </p:sp>
+      <p:pic>
+        <p:nvPicPr>
+          <p:cNvPr id="2" name="Imagem 1">
+            <a:extLst>
+              <a:ext uri="{FF2B5EF4-FFF2-40B4-BE49-F238E27FC236}">
+                <a16:creationId xmlns:a16="http://schemas.microsoft.com/office/drawing/2014/main" id="{082F9CBD-3D36-43E8-8795-D543C20747CB}"/>
+              </a:ext>
+            </a:extLst>
+          </p:cNvPr>
+          <p:cNvPicPr>
+            <a:picLocks noChangeAspect="1"/>
+          </p:cNvPicPr>
+          <p:nvPr/>
+        </p:nvPicPr>
+        <p:blipFill>
+          <a:blip r:embed="rId3"/>
+          <a:stretch>
+            <a:fillRect/>
+          </a:stretch>
+        </p:blipFill>
+        <p:spPr>
+          <a:xfrm>
+            <a:off x="505229" y="7381309"/>
+            <a:ext cx="4761979" cy="3411337"/>
+          </a:xfrm>
+          <a:prstGeom prst="rect">
+            <a:avLst/>
+          </a:prstGeom>
+        </p:spPr>
+      </p:pic>
+      <p:sp>
+        <p:nvSpPr>
+          <p:cNvPr id="12" name="Arco 11">
+            <a:extLst>
+              <a:ext uri="{FF2B5EF4-FFF2-40B4-BE49-F238E27FC236}">
+                <a16:creationId xmlns:a16="http://schemas.microsoft.com/office/drawing/2014/main" id="{2C687E39-4BC7-44F8-96FD-7E8C4E7A2EF0}"/>
+              </a:ext>
+            </a:extLst>
+          </p:cNvPr>
+          <p:cNvSpPr/>
+          <p:nvPr/>
+        </p:nvSpPr>
+        <p:spPr>
+          <a:xfrm rot="10800000">
+            <a:off x="5898432" y="4691752"/>
+            <a:ext cx="1735742" cy="1309250"/>
+          </a:xfrm>
+          <a:prstGeom prst="arc">
+            <a:avLst>
+              <a:gd name="adj1" fmla="val 16421902"/>
+              <a:gd name="adj2" fmla="val 545293"/>
+            </a:avLst>
+          </a:prstGeom>
+          <a:ln w="38100">
+            <a:solidFill>
+              <a:schemeClr val="bg1"/>
+            </a:solidFill>
+            <a:headEnd type="triangle" w="med" len="med"/>
+            <a:tailEnd type="none" w="med" len="med"/>
+          </a:ln>
+        </p:spPr>
+        <p:style>
+          <a:lnRef idx="1">
+            <a:schemeClr val="accent1"/>
+          </a:lnRef>
+          <a:fillRef idx="0">
+            <a:schemeClr val="accent1"/>
+          </a:fillRef>
+          <a:effectRef idx="0">
+            <a:schemeClr val="accent1"/>
+          </a:effectRef>
+          <a:fontRef idx="minor">
+            <a:schemeClr val="tx1"/>
+          </a:fontRef>
+        </p:style>
+        <p:txBody>
+          <a:bodyPr rtlCol="0" anchor="ctr"/>
+          <a:lstStyle/>
+          <a:p>
+            <a:pPr algn="ctr" defTabSz="914445">
+              <a:defRPr/>
+            </a:pPr>
+            <a:endParaRPr lang="pt-BR" sz="1801">
+              <a:solidFill>
+                <a:prstClr val="black"/>
+              </a:solidFill>
+              <a:latin typeface="Calibri" panose="020F0502020204030204"/>
+            </a:endParaRPr>
+          </a:p>
+        </p:txBody>
+      </p:sp>
+      <p:sp>
+        <p:nvSpPr>
+          <p:cNvPr id="13" name="Elipse 12">
+            <a:extLst>
+              <a:ext uri="{FF2B5EF4-FFF2-40B4-BE49-F238E27FC236}">
+                <a16:creationId xmlns:a16="http://schemas.microsoft.com/office/drawing/2014/main" id="{EB9C0179-2B4B-4A75-BD85-17D5492015E1}"/>
+              </a:ext>
+            </a:extLst>
+          </p:cNvPr>
+          <p:cNvSpPr/>
+          <p:nvPr/>
+        </p:nvSpPr>
+        <p:spPr>
+          <a:xfrm>
+            <a:off x="6820730" y="5674168"/>
+            <a:ext cx="568084" cy="593937"/>
+          </a:xfrm>
+          <a:prstGeom prst="ellipse">
+            <a:avLst/>
+          </a:prstGeom>
+          <a:solidFill>
+            <a:schemeClr val="accent4">
+              <a:lumMod val="40000"/>
+              <a:lumOff val="60000"/>
+            </a:schemeClr>
+          </a:solidFill>
+          <a:ln>
+            <a:solidFill>
+              <a:schemeClr val="bg1"/>
+            </a:solidFill>
+          </a:ln>
+        </p:spPr>
+        <p:style>
+          <a:lnRef idx="2">
+            <a:schemeClr val="accent1">
+              <a:shade val="50000"/>
+            </a:schemeClr>
+          </a:lnRef>
+          <a:fillRef idx="1">
+            <a:schemeClr val="accent1"/>
+          </a:fillRef>
+          <a:effectRef idx="0">
+            <a:schemeClr val="accent1"/>
+          </a:effectRef>
+          <a:fontRef idx="minor">
+            <a:schemeClr val="lt1"/>
+          </a:fontRef>
+        </p:style>
+        <p:txBody>
+          <a:bodyPr rtlCol="0" anchor="ctr"/>
+          <a:lstStyle/>
+          <a:p>
+            <a:pPr algn="ctr" defTabSz="914445">
+              <a:defRPr/>
+            </a:pPr>
+            <a:r>
+              <a:rPr lang="pt-BR" sz="3200" dirty="0">
+                <a:solidFill>
+                  <a:prstClr val="black"/>
+                </a:solidFill>
+                <a:latin typeface="Times New Roman" panose="02020603050405020304" pitchFamily="18" charset="0"/>
+                <a:cs typeface="Times New Roman" panose="02020603050405020304" pitchFamily="18" charset="0"/>
+              </a:rPr>
+              <a:t>P</a:t>
+            </a:r>
+            <a:endParaRPr lang="pt-BR" sz="3200" baseline="30000" dirty="0">
+              <a:solidFill>
+                <a:prstClr val="black"/>
+              </a:solidFill>
+              <a:latin typeface="Times New Roman" panose="02020603050405020304" pitchFamily="18" charset="0"/>
+              <a:cs typeface="Times New Roman" panose="02020603050405020304" pitchFamily="18" charset="0"/>
+            </a:endParaRPr>
+          </a:p>
+        </p:txBody>
+      </p:sp>
+      <p:sp>
+        <p:nvSpPr>
+          <p:cNvPr id="14" name="Arco 13">
+            <a:extLst>
+              <a:ext uri="{FF2B5EF4-FFF2-40B4-BE49-F238E27FC236}">
+                <a16:creationId xmlns:a16="http://schemas.microsoft.com/office/drawing/2014/main" id="{99E26131-6C0D-4A39-A637-B550250C1D2C}"/>
+              </a:ext>
+            </a:extLst>
+          </p:cNvPr>
+          <p:cNvSpPr/>
+          <p:nvPr/>
+        </p:nvSpPr>
+        <p:spPr>
+          <a:xfrm rot="10800000">
+            <a:off x="5975797" y="4379829"/>
+            <a:ext cx="1932331" cy="1218678"/>
+          </a:xfrm>
+          <a:prstGeom prst="arc">
+            <a:avLst>
+              <a:gd name="adj1" fmla="val 233635"/>
+              <a:gd name="adj2" fmla="val 4706251"/>
+            </a:avLst>
+          </a:prstGeom>
+          <a:ln w="38100">
+            <a:solidFill>
+              <a:schemeClr val="bg1"/>
+            </a:solidFill>
+            <a:headEnd type="triangle" w="med" len="med"/>
+            <a:tailEnd type="none" w="med" len="med"/>
+          </a:ln>
+        </p:spPr>
+        <p:style>
+          <a:lnRef idx="1">
+            <a:schemeClr val="accent1"/>
+          </a:lnRef>
+          <a:fillRef idx="0">
+            <a:schemeClr val="accent1"/>
+          </a:fillRef>
+          <a:effectRef idx="0">
+            <a:schemeClr val="accent1"/>
+          </a:effectRef>
+          <a:fontRef idx="minor">
+            <a:schemeClr val="tx1"/>
+          </a:fontRef>
+        </p:style>
+        <p:txBody>
+          <a:bodyPr rtlCol="0" anchor="ctr"/>
+          <a:lstStyle/>
+          <a:p>
+            <a:pPr algn="ctr" defTabSz="914445">
+              <a:defRPr/>
+            </a:pPr>
+            <a:endParaRPr lang="pt-BR" sz="2800">
+              <a:solidFill>
+                <a:prstClr val="black"/>
+              </a:solidFill>
+              <a:latin typeface="Calibri" panose="020F0502020204030204"/>
+            </a:endParaRPr>
+          </a:p>
+        </p:txBody>
+      </p:sp>
+      <p:sp>
+        <p:nvSpPr>
+          <p:cNvPr id="15" name="CaixaDeTexto 14">
+            <a:extLst>
+              <a:ext uri="{FF2B5EF4-FFF2-40B4-BE49-F238E27FC236}">
+                <a16:creationId xmlns:a16="http://schemas.microsoft.com/office/drawing/2014/main" id="{D3B863B2-694E-4D26-B8B0-343F202D34A2}"/>
+              </a:ext>
+            </a:extLst>
+          </p:cNvPr>
+          <p:cNvSpPr txBox="1"/>
+          <p:nvPr/>
+        </p:nvSpPr>
+        <p:spPr>
+          <a:xfrm>
+            <a:off x="6503193" y="4107872"/>
+            <a:ext cx="1521105" cy="584775"/>
+          </a:xfrm>
+          <a:prstGeom prst="rect">
+            <a:avLst/>
+          </a:prstGeom>
+          <a:noFill/>
+        </p:spPr>
+        <p:txBody>
+          <a:bodyPr wrap="square" rtlCol="0">
+            <a:spAutoFit/>
+          </a:bodyPr>
+          <a:lstStyle/>
+          <a:p>
+            <a:pPr algn="ctr" defTabSz="914445">
+              <a:defRPr/>
+            </a:pPr>
+            <a:r>
+              <a:rPr lang="pt-BR" sz="3200" b="1" dirty="0">
+                <a:solidFill>
+                  <a:prstClr val="white"/>
+                </a:solidFill>
+                <a:latin typeface="Bell MT" panose="02020503060305020303" pitchFamily="18" charset="0"/>
+              </a:rPr>
+              <a:t>H</a:t>
+            </a:r>
+            <a:r>
+              <a:rPr lang="pt-BR" sz="3200" b="1" baseline="-25000" dirty="0">
+                <a:solidFill>
+                  <a:prstClr val="white"/>
+                </a:solidFill>
+                <a:latin typeface="Bell MT" panose="02020503060305020303" pitchFamily="18" charset="0"/>
+              </a:rPr>
+              <a:t>2</a:t>
+            </a:r>
+            <a:r>
+              <a:rPr lang="pt-BR" sz="3200" b="1" dirty="0">
+                <a:solidFill>
+                  <a:prstClr val="white"/>
+                </a:solidFill>
+                <a:latin typeface="Bell MT" panose="02020503060305020303" pitchFamily="18" charset="0"/>
+              </a:rPr>
+              <a:t>O</a:t>
+            </a:r>
+            <a:endParaRPr lang="pt-BR" sz="3200" b="1" baseline="-25000" dirty="0">
+              <a:solidFill>
+                <a:prstClr val="white"/>
+              </a:solidFill>
+              <a:latin typeface="Bell MT" panose="02020503060305020303" pitchFamily="18" charset="0"/>
+            </a:endParaRPr>
+          </a:p>
+        </p:txBody>
+      </p:sp>
+    </p:spTree>
+    <p:extLst>
+      <p:ext uri="{BB962C8B-B14F-4D97-AF65-F5344CB8AC3E}">
+        <p14:creationId xmlns:p14="http://schemas.microsoft.com/office/powerpoint/2010/main" val="2965830407"/>
+      </p:ext>
+    </p:extLst>
+  </p:cSld>
+  <p:clrMapOvr>
+    <a:masterClrMapping/>
+  </p:clrMapOvr>
+</p:sld>
+</file>
+
+<file path=ppt/slides/slide16.xml><?xml version="1.0" encoding="utf-8"?>
+<p:sld xmlns:a="http://schemas.openxmlformats.org/drawingml/2006/main" xmlns:r="http://schemas.openxmlformats.org/officeDocument/2006/relationships" xmlns:p="http://schemas.openxmlformats.org/presentationml/2006/main">
+  <p:cSld>
+    <p:spTree>
+      <p:nvGrpSpPr>
+        <p:cNvPr id="1" name=""/>
+        <p:cNvGrpSpPr/>
+        <p:nvPr/>
+      </p:nvGrpSpPr>
+      <p:grpSpPr>
+        <a:xfrm>
+          <a:off x="0" y="0"/>
+          <a:ext cx="0" cy="0"/>
+          <a:chOff x="0" y="0"/>
+          <a:chExt cx="0" cy="0"/>
+        </a:xfrm>
+      </p:grpSpPr>
+      <p:sp>
+        <p:nvSpPr>
+          <p:cNvPr id="17" name="Retângulo: Cantos Arredondados 16">
+            <a:extLst>
+              <a:ext uri="{FF2B5EF4-FFF2-40B4-BE49-F238E27FC236}">
+                <a16:creationId xmlns:a16="http://schemas.microsoft.com/office/drawing/2014/main" id="{0303635B-8945-4F9B-B36B-C74207A09B3C}"/>
+              </a:ext>
+            </a:extLst>
+          </p:cNvPr>
+          <p:cNvSpPr/>
+          <p:nvPr/>
+        </p:nvSpPr>
+        <p:spPr>
+          <a:xfrm>
+            <a:off x="4084225" y="6535208"/>
+            <a:ext cx="4486936" cy="846101"/>
+          </a:xfrm>
+          <a:prstGeom prst="roundRect">
+            <a:avLst/>
+          </a:prstGeom>
+          <a:solidFill>
+            <a:srgbClr val="E58E57"/>
+          </a:solidFill>
+          <a:ln w="76200">
+            <a:solidFill>
+              <a:schemeClr val="bg1"/>
+            </a:solidFill>
+          </a:ln>
+        </p:spPr>
+        <p:style>
+          <a:lnRef idx="2">
+            <a:schemeClr val="accent1">
+              <a:shade val="50000"/>
+            </a:schemeClr>
+          </a:lnRef>
+          <a:fillRef idx="1">
+            <a:schemeClr val="accent1"/>
+          </a:fillRef>
+          <a:effectRef idx="0">
+            <a:schemeClr val="accent1"/>
+          </a:effectRef>
+          <a:fontRef idx="minor">
+            <a:schemeClr val="lt1"/>
+          </a:fontRef>
+        </p:style>
+        <p:txBody>
+          <a:bodyPr rtlCol="0" anchor="ctr"/>
+          <a:lstStyle/>
+          <a:p>
+            <a:pPr algn="ctr" defTabSz="914445">
+              <a:defRPr/>
+            </a:pPr>
+            <a:r>
+              <a:rPr lang="pt-BR" sz="3600" b="1" dirty="0">
+                <a:solidFill>
+                  <a:schemeClr val="tx1"/>
+                </a:solidFill>
+                <a:latin typeface="Times New Roman" panose="02020603050405020304" pitchFamily="18" charset="0"/>
+                <a:cs typeface="Times New Roman" panose="02020603050405020304" pitchFamily="18" charset="0"/>
+              </a:rPr>
+              <a:t>Frutose-6-fosfato</a:t>
+            </a:r>
+          </a:p>
+        </p:txBody>
+      </p:sp>
+      <p:sp>
+        <p:nvSpPr>
+          <p:cNvPr id="18" name="CustomShape 3">
+            <a:extLst>
+              <a:ext uri="{FF2B5EF4-FFF2-40B4-BE49-F238E27FC236}">
+                <a16:creationId xmlns:a16="http://schemas.microsoft.com/office/drawing/2014/main" id="{CC80BCD1-7986-47BF-93BA-9F8145C2A1CE}"/>
+              </a:ext>
+            </a:extLst>
+          </p:cNvPr>
+          <p:cNvSpPr/>
+          <p:nvPr/>
+        </p:nvSpPr>
+        <p:spPr>
+          <a:xfrm>
+            <a:off x="631497" y="4867974"/>
+            <a:ext cx="5136260" cy="644883"/>
+          </a:xfrm>
+          <a:prstGeom prst="rect">
+            <a:avLst/>
+          </a:prstGeom>
+          <a:noFill/>
+          <a:ln>
+            <a:noFill/>
+          </a:ln>
+        </p:spPr>
+        <p:style>
+          <a:lnRef idx="0">
+            <a:scrgbClr r="0" g="0" b="0"/>
+          </a:lnRef>
+          <a:fillRef idx="0">
+            <a:scrgbClr r="0" g="0" b="0"/>
+          </a:fillRef>
+          <a:effectRef idx="0">
+            <a:scrgbClr r="0" g="0" b="0"/>
+          </a:effectRef>
+          <a:fontRef idx="minor"/>
+        </p:style>
+        <p:txBody>
+          <a:bodyPr wrap="square" lIns="90002" tIns="45003" rIns="90002" bIns="45003">
+            <a:spAutoFit/>
+          </a:bodyPr>
+          <a:lstStyle/>
+          <a:p>
+            <a:pPr algn="r" defTabSz="914445">
+              <a:defRPr/>
+            </a:pPr>
+            <a:r>
+              <a:rPr lang="pt-BR" sz="3600" b="1" spc="-4" dirty="0">
+                <a:solidFill>
+                  <a:prstClr val="white"/>
+                </a:solidFill>
+                <a:latin typeface="Bell MT"/>
+              </a:rPr>
+              <a:t>Frutose-1,6-bifosfatase</a:t>
+            </a:r>
+          </a:p>
+        </p:txBody>
+      </p:sp>
+      <p:cxnSp>
+        <p:nvCxnSpPr>
+          <p:cNvPr id="31" name="Conector reto 30">
+            <a:extLst>
+              <a:ext uri="{FF2B5EF4-FFF2-40B4-BE49-F238E27FC236}">
+                <a16:creationId xmlns:a16="http://schemas.microsoft.com/office/drawing/2014/main" id="{85C0BB67-F4B6-4713-8ABD-5EF8FCB13CCC}"/>
+              </a:ext>
+            </a:extLst>
+          </p:cNvPr>
+          <p:cNvCxnSpPr>
+            <a:cxnSpLocks/>
+          </p:cNvCxnSpPr>
+          <p:nvPr/>
+        </p:nvCxnSpPr>
+        <p:spPr>
+          <a:xfrm>
+            <a:off x="5898432" y="4098609"/>
+            <a:ext cx="0" cy="2267556"/>
+          </a:xfrm>
+          <a:prstGeom prst="line">
+            <a:avLst/>
+          </a:prstGeom>
+          <a:ln w="76200">
+            <a:solidFill>
+              <a:schemeClr val="bg1"/>
+            </a:solidFill>
+            <a:headEnd type="none" w="med" len="med"/>
+            <a:tailEnd type="triangle" w="med" len="med"/>
+          </a:ln>
+        </p:spPr>
+        <p:style>
+          <a:lnRef idx="1">
+            <a:schemeClr val="accent1"/>
+          </a:lnRef>
+          <a:fillRef idx="0">
+            <a:schemeClr val="accent1"/>
+          </a:fillRef>
+          <a:effectRef idx="0">
+            <a:schemeClr val="accent1"/>
+          </a:effectRef>
+          <a:fontRef idx="minor">
+            <a:schemeClr val="tx1"/>
+          </a:fontRef>
+        </p:style>
+      </p:cxnSp>
+      <p:pic>
+        <p:nvPicPr>
+          <p:cNvPr id="32" name="Imagem 31">
+            <a:extLst>
+              <a:ext uri="{FF2B5EF4-FFF2-40B4-BE49-F238E27FC236}">
+                <a16:creationId xmlns:a16="http://schemas.microsoft.com/office/drawing/2014/main" id="{F4464296-969F-4888-90B3-EAFBE02490F7}"/>
+              </a:ext>
+            </a:extLst>
+          </p:cNvPr>
+          <p:cNvPicPr>
+            <a:picLocks noChangeAspect="1"/>
+          </p:cNvPicPr>
+          <p:nvPr/>
+        </p:nvPicPr>
+        <p:blipFill>
+          <a:blip r:embed="rId2"/>
+          <a:stretch>
+            <a:fillRect/>
+          </a:stretch>
+        </p:blipFill>
+        <p:spPr>
+          <a:xfrm>
+            <a:off x="575565" y="507967"/>
+            <a:ext cx="5248123" cy="3337656"/>
+          </a:xfrm>
+          <a:prstGeom prst="rect">
+            <a:avLst/>
+          </a:prstGeom>
+        </p:spPr>
+      </p:pic>
+      <p:sp>
+        <p:nvSpPr>
+          <p:cNvPr id="33" name="Retângulo: Cantos Arredondados 32">
+            <a:extLst>
+              <a:ext uri="{FF2B5EF4-FFF2-40B4-BE49-F238E27FC236}">
+                <a16:creationId xmlns:a16="http://schemas.microsoft.com/office/drawing/2014/main" id="{17CCCFAE-544D-4143-9024-513C3201EE32}"/>
+              </a:ext>
+            </a:extLst>
+          </p:cNvPr>
+          <p:cNvSpPr/>
+          <p:nvPr/>
+        </p:nvSpPr>
+        <p:spPr>
+          <a:xfrm>
+            <a:off x="4084226" y="2999523"/>
+            <a:ext cx="4486935" cy="846101"/>
+          </a:xfrm>
+          <a:prstGeom prst="roundRect">
+            <a:avLst/>
+          </a:prstGeom>
+          <a:solidFill>
+            <a:schemeClr val="tx1">
+              <a:lumMod val="65000"/>
+              <a:lumOff val="35000"/>
+            </a:schemeClr>
+          </a:solidFill>
+          <a:ln w="76200">
+            <a:solidFill>
+              <a:schemeClr val="bg1"/>
+            </a:solidFill>
+          </a:ln>
+        </p:spPr>
+        <p:style>
+          <a:lnRef idx="2">
+            <a:schemeClr val="accent1">
+              <a:shade val="50000"/>
+            </a:schemeClr>
+          </a:lnRef>
+          <a:fillRef idx="1">
+            <a:schemeClr val="accent1"/>
+          </a:fillRef>
+          <a:effectRef idx="0">
+            <a:schemeClr val="accent1"/>
+          </a:effectRef>
+          <a:fontRef idx="minor">
+            <a:schemeClr val="lt1"/>
+          </a:fontRef>
+        </p:style>
+        <p:txBody>
+          <a:bodyPr rtlCol="0" anchor="ctr"/>
+          <a:lstStyle/>
+          <a:p>
+            <a:pPr algn="ctr" defTabSz="914445">
+              <a:defRPr/>
+            </a:pPr>
+            <a:r>
+              <a:rPr lang="pt-BR" sz="3600" b="1" dirty="0">
+                <a:solidFill>
+                  <a:schemeClr val="accent4">
+                    <a:lumMod val="40000"/>
+                    <a:lumOff val="60000"/>
+                  </a:schemeClr>
+                </a:solidFill>
+                <a:latin typeface="Times New Roman" panose="02020603050405020304" pitchFamily="18" charset="0"/>
+                <a:cs typeface="Times New Roman" panose="02020603050405020304" pitchFamily="18" charset="0"/>
+              </a:rPr>
+              <a:t>Frutose-1,6-bifosfato</a:t>
+            </a:r>
+          </a:p>
+        </p:txBody>
+      </p:sp>
+      <p:pic>
+        <p:nvPicPr>
+          <p:cNvPr id="2" name="Imagem 1">
+            <a:extLst>
+              <a:ext uri="{FF2B5EF4-FFF2-40B4-BE49-F238E27FC236}">
+                <a16:creationId xmlns:a16="http://schemas.microsoft.com/office/drawing/2014/main" id="{082F9CBD-3D36-43E8-8795-D543C20747CB}"/>
+              </a:ext>
+            </a:extLst>
+          </p:cNvPr>
+          <p:cNvPicPr>
+            <a:picLocks noChangeAspect="1"/>
+          </p:cNvPicPr>
+          <p:nvPr/>
+        </p:nvPicPr>
+        <p:blipFill>
+          <a:blip r:embed="rId3"/>
+          <a:stretch>
+            <a:fillRect/>
+          </a:stretch>
+        </p:blipFill>
+        <p:spPr>
+          <a:xfrm>
+            <a:off x="505229" y="7381309"/>
+            <a:ext cx="4761979" cy="3411337"/>
+          </a:xfrm>
+          <a:prstGeom prst="rect">
+            <a:avLst/>
+          </a:prstGeom>
+        </p:spPr>
+      </p:pic>
+      <p:sp>
+        <p:nvSpPr>
+          <p:cNvPr id="12" name="Arco 11">
+            <a:extLst>
+              <a:ext uri="{FF2B5EF4-FFF2-40B4-BE49-F238E27FC236}">
+                <a16:creationId xmlns:a16="http://schemas.microsoft.com/office/drawing/2014/main" id="{2C687E39-4BC7-44F8-96FD-7E8C4E7A2EF0}"/>
+              </a:ext>
+            </a:extLst>
+          </p:cNvPr>
+          <p:cNvSpPr/>
+          <p:nvPr/>
+        </p:nvSpPr>
+        <p:spPr>
+          <a:xfrm rot="10800000">
+            <a:off x="5898432" y="4691752"/>
+            <a:ext cx="1735742" cy="1309250"/>
+          </a:xfrm>
+          <a:prstGeom prst="arc">
+            <a:avLst>
+              <a:gd name="adj1" fmla="val 16421902"/>
+              <a:gd name="adj2" fmla="val 545293"/>
+            </a:avLst>
+          </a:prstGeom>
+          <a:ln w="38100">
+            <a:solidFill>
+              <a:schemeClr val="bg1"/>
+            </a:solidFill>
+            <a:headEnd type="triangle" w="med" len="med"/>
+            <a:tailEnd type="none" w="med" len="med"/>
+          </a:ln>
+        </p:spPr>
+        <p:style>
+          <a:lnRef idx="1">
+            <a:schemeClr val="accent1"/>
+          </a:lnRef>
+          <a:fillRef idx="0">
+            <a:schemeClr val="accent1"/>
+          </a:fillRef>
+          <a:effectRef idx="0">
+            <a:schemeClr val="accent1"/>
+          </a:effectRef>
+          <a:fontRef idx="minor">
+            <a:schemeClr val="tx1"/>
+          </a:fontRef>
+        </p:style>
+        <p:txBody>
+          <a:bodyPr rtlCol="0" anchor="ctr"/>
+          <a:lstStyle/>
+          <a:p>
+            <a:pPr algn="ctr" defTabSz="914445">
+              <a:defRPr/>
+            </a:pPr>
+            <a:endParaRPr lang="pt-BR" sz="1801">
+              <a:solidFill>
+                <a:prstClr val="black"/>
+              </a:solidFill>
+              <a:latin typeface="Calibri" panose="020F0502020204030204"/>
+            </a:endParaRPr>
+          </a:p>
+        </p:txBody>
+      </p:sp>
+      <p:sp>
+        <p:nvSpPr>
+          <p:cNvPr id="13" name="Elipse 12">
+            <a:extLst>
+              <a:ext uri="{FF2B5EF4-FFF2-40B4-BE49-F238E27FC236}">
+                <a16:creationId xmlns:a16="http://schemas.microsoft.com/office/drawing/2014/main" id="{EB9C0179-2B4B-4A75-BD85-17D5492015E1}"/>
+              </a:ext>
+            </a:extLst>
+          </p:cNvPr>
+          <p:cNvSpPr/>
+          <p:nvPr/>
+        </p:nvSpPr>
+        <p:spPr>
+          <a:xfrm>
+            <a:off x="6820730" y="5674168"/>
+            <a:ext cx="568084" cy="593937"/>
+          </a:xfrm>
+          <a:prstGeom prst="ellipse">
+            <a:avLst/>
+          </a:prstGeom>
+          <a:solidFill>
+            <a:schemeClr val="accent4">
+              <a:lumMod val="40000"/>
+              <a:lumOff val="60000"/>
+            </a:schemeClr>
+          </a:solidFill>
+          <a:ln>
+            <a:solidFill>
+              <a:schemeClr val="bg1"/>
+            </a:solidFill>
+          </a:ln>
+        </p:spPr>
+        <p:style>
+          <a:lnRef idx="2">
+            <a:schemeClr val="accent1">
+              <a:shade val="50000"/>
+            </a:schemeClr>
+          </a:lnRef>
+          <a:fillRef idx="1">
+            <a:schemeClr val="accent1"/>
+          </a:fillRef>
+          <a:effectRef idx="0">
+            <a:schemeClr val="accent1"/>
+          </a:effectRef>
+          <a:fontRef idx="minor">
+            <a:schemeClr val="lt1"/>
+          </a:fontRef>
+        </p:style>
+        <p:txBody>
+          <a:bodyPr rtlCol="0" anchor="ctr"/>
+          <a:lstStyle/>
+          <a:p>
+            <a:pPr algn="ctr" defTabSz="914445">
+              <a:defRPr/>
+            </a:pPr>
+            <a:r>
+              <a:rPr lang="pt-BR" sz="3200" dirty="0">
+                <a:solidFill>
+                  <a:prstClr val="black"/>
+                </a:solidFill>
+                <a:latin typeface="Times New Roman" panose="02020603050405020304" pitchFamily="18" charset="0"/>
+                <a:cs typeface="Times New Roman" panose="02020603050405020304" pitchFamily="18" charset="0"/>
+              </a:rPr>
+              <a:t>P</a:t>
+            </a:r>
+            <a:endParaRPr lang="pt-BR" sz="3200" baseline="30000" dirty="0">
+              <a:solidFill>
+                <a:prstClr val="black"/>
+              </a:solidFill>
+              <a:latin typeface="Times New Roman" panose="02020603050405020304" pitchFamily="18" charset="0"/>
+              <a:cs typeface="Times New Roman" panose="02020603050405020304" pitchFamily="18" charset="0"/>
+            </a:endParaRPr>
+          </a:p>
+        </p:txBody>
+      </p:sp>
+      <p:sp>
+        <p:nvSpPr>
+          <p:cNvPr id="14" name="Arco 13">
+            <a:extLst>
+              <a:ext uri="{FF2B5EF4-FFF2-40B4-BE49-F238E27FC236}">
+                <a16:creationId xmlns:a16="http://schemas.microsoft.com/office/drawing/2014/main" id="{99E26131-6C0D-4A39-A637-B550250C1D2C}"/>
+              </a:ext>
+            </a:extLst>
+          </p:cNvPr>
+          <p:cNvSpPr/>
+          <p:nvPr/>
+        </p:nvSpPr>
+        <p:spPr>
+          <a:xfrm rot="10800000">
+            <a:off x="5975797" y="4379829"/>
+            <a:ext cx="1932331" cy="1218678"/>
+          </a:xfrm>
+          <a:prstGeom prst="arc">
+            <a:avLst>
+              <a:gd name="adj1" fmla="val 233635"/>
+              <a:gd name="adj2" fmla="val 4706251"/>
+            </a:avLst>
+          </a:prstGeom>
+          <a:ln w="38100">
+            <a:solidFill>
+              <a:schemeClr val="bg1"/>
+            </a:solidFill>
+            <a:headEnd type="triangle" w="med" len="med"/>
+            <a:tailEnd type="none" w="med" len="med"/>
+          </a:ln>
+        </p:spPr>
+        <p:style>
+          <a:lnRef idx="1">
+            <a:schemeClr val="accent1"/>
+          </a:lnRef>
+          <a:fillRef idx="0">
+            <a:schemeClr val="accent1"/>
+          </a:fillRef>
+          <a:effectRef idx="0">
+            <a:schemeClr val="accent1"/>
+          </a:effectRef>
+          <a:fontRef idx="minor">
+            <a:schemeClr val="tx1"/>
+          </a:fontRef>
+        </p:style>
+        <p:txBody>
+          <a:bodyPr rtlCol="0" anchor="ctr"/>
+          <a:lstStyle/>
+          <a:p>
+            <a:pPr algn="ctr" defTabSz="914445">
+              <a:defRPr/>
+            </a:pPr>
+            <a:endParaRPr lang="pt-BR" sz="2800">
+              <a:solidFill>
+                <a:prstClr val="black"/>
+              </a:solidFill>
+              <a:latin typeface="Calibri" panose="020F0502020204030204"/>
+            </a:endParaRPr>
+          </a:p>
+        </p:txBody>
+      </p:sp>
+      <p:sp>
+        <p:nvSpPr>
+          <p:cNvPr id="15" name="CaixaDeTexto 14">
+            <a:extLst>
+              <a:ext uri="{FF2B5EF4-FFF2-40B4-BE49-F238E27FC236}">
+                <a16:creationId xmlns:a16="http://schemas.microsoft.com/office/drawing/2014/main" id="{D3B863B2-694E-4D26-B8B0-343F202D34A2}"/>
+              </a:ext>
+            </a:extLst>
+          </p:cNvPr>
+          <p:cNvSpPr txBox="1"/>
+          <p:nvPr/>
+        </p:nvSpPr>
+        <p:spPr>
+          <a:xfrm>
+            <a:off x="6503193" y="4107872"/>
+            <a:ext cx="1521105" cy="584775"/>
+          </a:xfrm>
+          <a:prstGeom prst="rect">
+            <a:avLst/>
+          </a:prstGeom>
+          <a:noFill/>
+        </p:spPr>
+        <p:txBody>
+          <a:bodyPr wrap="square" rtlCol="0">
+            <a:spAutoFit/>
+          </a:bodyPr>
+          <a:lstStyle/>
+          <a:p>
+            <a:pPr algn="ctr" defTabSz="914445">
+              <a:defRPr/>
+            </a:pPr>
+            <a:r>
+              <a:rPr lang="pt-BR" sz="3200" b="1" dirty="0">
+                <a:solidFill>
+                  <a:prstClr val="white"/>
+                </a:solidFill>
+                <a:latin typeface="Bell MT" panose="02020503060305020303" pitchFamily="18" charset="0"/>
+              </a:rPr>
+              <a:t>H</a:t>
+            </a:r>
+            <a:r>
+              <a:rPr lang="pt-BR" sz="3200" b="1" baseline="-25000" dirty="0">
+                <a:solidFill>
+                  <a:prstClr val="white"/>
+                </a:solidFill>
+                <a:latin typeface="Bell MT" panose="02020503060305020303" pitchFamily="18" charset="0"/>
+              </a:rPr>
+              <a:t>2</a:t>
+            </a:r>
+            <a:r>
+              <a:rPr lang="pt-BR" sz="3200" b="1" dirty="0">
+                <a:solidFill>
+                  <a:prstClr val="white"/>
+                </a:solidFill>
+                <a:latin typeface="Bell MT" panose="02020503060305020303" pitchFamily="18" charset="0"/>
+              </a:rPr>
+              <a:t>O</a:t>
+            </a:r>
+            <a:endParaRPr lang="pt-BR" sz="3200" b="1" baseline="-25000" dirty="0">
+              <a:solidFill>
+                <a:prstClr val="white"/>
+              </a:solidFill>
+              <a:latin typeface="Bell MT" panose="02020503060305020303" pitchFamily="18" charset="0"/>
+            </a:endParaRPr>
+          </a:p>
+        </p:txBody>
+      </p:sp>
+    </p:spTree>
+    <p:extLst>
+      <p:ext uri="{BB962C8B-B14F-4D97-AF65-F5344CB8AC3E}">
+        <p14:creationId xmlns:p14="http://schemas.microsoft.com/office/powerpoint/2010/main" val="1138598537"/>
+      </p:ext>
+    </p:extLst>
+  </p:cSld>
+  <p:clrMapOvr>
+    <a:masterClrMapping/>
+  </p:clrMapOvr>
+</p:sld>
+</file>
+
+<file path=ppt/slides/slide17.xml><?xml version="1.0" encoding="utf-8"?>
+<p:sld xmlns:a="http://schemas.openxmlformats.org/drawingml/2006/main" xmlns:r="http://schemas.openxmlformats.org/officeDocument/2006/relationships" xmlns:p="http://schemas.openxmlformats.org/presentationml/2006/main">
+  <p:cSld>
+    <p:spTree>
+      <p:nvGrpSpPr>
+        <p:cNvPr id="1" name=""/>
+        <p:cNvGrpSpPr/>
+        <p:nvPr/>
+      </p:nvGrpSpPr>
+      <p:grpSpPr>
+        <a:xfrm>
+          <a:off x="0" y="0"/>
+          <a:ext cx="0" cy="0"/>
+          <a:chOff x="0" y="0"/>
+          <a:chExt cx="0" cy="0"/>
+        </a:xfrm>
+      </p:grpSpPr>
+      <p:sp>
+        <p:nvSpPr>
+          <p:cNvPr id="17" name="Retângulo: Cantos Arredondados 16">
+            <a:extLst>
+              <a:ext uri="{FF2B5EF4-FFF2-40B4-BE49-F238E27FC236}">
+                <a16:creationId xmlns:a16="http://schemas.microsoft.com/office/drawing/2014/main" id="{0303635B-8945-4F9B-B36B-C74207A09B3C}"/>
+              </a:ext>
+            </a:extLst>
+          </p:cNvPr>
+          <p:cNvSpPr/>
+          <p:nvPr/>
+        </p:nvSpPr>
+        <p:spPr>
+          <a:xfrm>
+            <a:off x="4084225" y="6535208"/>
+            <a:ext cx="4486936" cy="846101"/>
+          </a:xfrm>
+          <a:prstGeom prst="roundRect">
+            <a:avLst/>
+          </a:prstGeom>
+          <a:solidFill>
+            <a:srgbClr val="E58E57"/>
+          </a:solidFill>
+          <a:ln w="76200">
+            <a:solidFill>
+              <a:schemeClr val="bg1"/>
+            </a:solidFill>
+          </a:ln>
+        </p:spPr>
+        <p:style>
+          <a:lnRef idx="2">
+            <a:schemeClr val="accent1">
+              <a:shade val="50000"/>
+            </a:schemeClr>
+          </a:lnRef>
+          <a:fillRef idx="1">
+            <a:schemeClr val="accent1"/>
+          </a:fillRef>
+          <a:effectRef idx="0">
+            <a:schemeClr val="accent1"/>
+          </a:effectRef>
+          <a:fontRef idx="minor">
+            <a:schemeClr val="lt1"/>
+          </a:fontRef>
+        </p:style>
+        <p:txBody>
+          <a:bodyPr rtlCol="0" anchor="ctr"/>
+          <a:lstStyle/>
+          <a:p>
+            <a:pPr marL="0" marR="0" lvl="0" indent="0" algn="ctr" defTabSz="914445" rtl="0" eaLnBrk="1" fontAlgn="auto" latinLnBrk="0" hangingPunct="1">
+              <a:lnSpc>
+                <a:spcPct val="100000"/>
+              </a:lnSpc>
+              <a:spcBef>
+                <a:spcPts val="0"/>
+              </a:spcBef>
+              <a:spcAft>
+                <a:spcPts val="0"/>
+              </a:spcAft>
+              <a:buClrTx/>
+              <a:buSzTx/>
+              <a:buFontTx/>
+              <a:buNone/>
+              <a:tabLst/>
+              <a:defRPr/>
+            </a:pPr>
+            <a:r>
+              <a:rPr kumimoji="0" lang="pt-BR" sz="3600" b="1" i="0" u="none" strike="noStrike" kern="1200" cap="none" spc="0" normalizeH="0" baseline="0" noProof="0" dirty="0">
+                <a:ln>
+                  <a:noFill/>
+                </a:ln>
+                <a:solidFill>
+                  <a:prstClr val="black"/>
+                </a:solidFill>
+                <a:effectLst/>
+                <a:uLnTx/>
+                <a:uFillTx/>
+                <a:latin typeface="Times New Roman" panose="02020603050405020304" pitchFamily="18" charset="0"/>
+                <a:ea typeface="+mn-ea"/>
+                <a:cs typeface="Times New Roman" panose="02020603050405020304" pitchFamily="18" charset="0"/>
+              </a:rPr>
+              <a:t>?</a:t>
+            </a:r>
+          </a:p>
+        </p:txBody>
+      </p:sp>
+      <p:sp>
+        <p:nvSpPr>
+          <p:cNvPr id="18" name="CustomShape 3">
+            <a:extLst>
+              <a:ext uri="{FF2B5EF4-FFF2-40B4-BE49-F238E27FC236}">
+                <a16:creationId xmlns:a16="http://schemas.microsoft.com/office/drawing/2014/main" id="{CC80BCD1-7986-47BF-93BA-9F8145C2A1CE}"/>
+              </a:ext>
+            </a:extLst>
+          </p:cNvPr>
+          <p:cNvSpPr/>
+          <p:nvPr/>
+        </p:nvSpPr>
+        <p:spPr>
+          <a:xfrm>
+            <a:off x="631497" y="4867974"/>
+            <a:ext cx="5136260" cy="644883"/>
+          </a:xfrm>
+          <a:prstGeom prst="rect">
+            <a:avLst/>
+          </a:prstGeom>
+          <a:noFill/>
+          <a:ln>
+            <a:noFill/>
+          </a:ln>
+        </p:spPr>
+        <p:style>
+          <a:lnRef idx="0">
+            <a:scrgbClr r="0" g="0" b="0"/>
+          </a:lnRef>
+          <a:fillRef idx="0">
+            <a:scrgbClr r="0" g="0" b="0"/>
+          </a:fillRef>
+          <a:effectRef idx="0">
+            <a:scrgbClr r="0" g="0" b="0"/>
+          </a:effectRef>
+          <a:fontRef idx="minor"/>
+        </p:style>
+        <p:txBody>
+          <a:bodyPr wrap="square" lIns="90002" tIns="45003" rIns="90002" bIns="45003">
+            <a:spAutoFit/>
+          </a:bodyPr>
+          <a:lstStyle/>
+          <a:p>
+            <a:pPr lvl="0" algn="r" defTabSz="914445">
+              <a:defRPr/>
+            </a:pPr>
+            <a:r>
+              <a:rPr lang="pt-BR" sz="3600" b="1" spc="-4" dirty="0" err="1">
+                <a:solidFill>
+                  <a:prstClr val="white"/>
+                </a:solidFill>
+                <a:latin typeface="Bell MT"/>
+              </a:rPr>
+              <a:t>Fosfo</a:t>
+            </a:r>
+            <a:r>
+              <a:rPr lang="pt-BR" sz="3600" b="1" spc="-4" dirty="0">
+                <a:solidFill>
+                  <a:prstClr val="white"/>
+                </a:solidFill>
+                <a:latin typeface="Bell MT"/>
+              </a:rPr>
+              <a:t>-hexose </a:t>
+            </a:r>
+            <a:r>
+              <a:rPr lang="pt-BR" sz="3600" b="1" spc="-4" dirty="0" err="1">
+                <a:solidFill>
+                  <a:prstClr val="white"/>
+                </a:solidFill>
+                <a:latin typeface="Bell MT"/>
+              </a:rPr>
+              <a:t>isomerase</a:t>
+            </a:r>
+            <a:endParaRPr lang="pt-BR" sz="3600" b="1" spc="-4" dirty="0">
+              <a:solidFill>
+                <a:prstClr val="white"/>
+              </a:solidFill>
+              <a:latin typeface="Bell MT"/>
+            </a:endParaRPr>
+          </a:p>
+        </p:txBody>
+      </p:sp>
+      <p:sp>
+        <p:nvSpPr>
+          <p:cNvPr id="33" name="Retângulo: Cantos Arredondados 32">
+            <a:extLst>
+              <a:ext uri="{FF2B5EF4-FFF2-40B4-BE49-F238E27FC236}">
+                <a16:creationId xmlns:a16="http://schemas.microsoft.com/office/drawing/2014/main" id="{17CCCFAE-544D-4143-9024-513C3201EE32}"/>
+              </a:ext>
+            </a:extLst>
+          </p:cNvPr>
+          <p:cNvSpPr/>
+          <p:nvPr/>
+        </p:nvSpPr>
+        <p:spPr>
+          <a:xfrm>
+            <a:off x="4084226" y="2999523"/>
+            <a:ext cx="4486935" cy="846101"/>
+          </a:xfrm>
+          <a:prstGeom prst="roundRect">
+            <a:avLst/>
+          </a:prstGeom>
+          <a:solidFill>
+            <a:schemeClr val="tx1">
+              <a:lumMod val="65000"/>
+              <a:lumOff val="35000"/>
+            </a:schemeClr>
+          </a:solidFill>
+          <a:ln w="76200">
+            <a:solidFill>
+              <a:schemeClr val="bg1"/>
+            </a:solidFill>
+          </a:ln>
+        </p:spPr>
+        <p:style>
+          <a:lnRef idx="2">
+            <a:schemeClr val="accent1">
+              <a:shade val="50000"/>
+            </a:schemeClr>
+          </a:lnRef>
+          <a:fillRef idx="1">
+            <a:schemeClr val="accent1"/>
+          </a:fillRef>
+          <a:effectRef idx="0">
+            <a:schemeClr val="accent1"/>
+          </a:effectRef>
+          <a:fontRef idx="minor">
+            <a:schemeClr val="lt1"/>
+          </a:fontRef>
+        </p:style>
+        <p:txBody>
+          <a:bodyPr rtlCol="0" anchor="ctr"/>
+          <a:lstStyle/>
+          <a:p>
+            <a:pPr marL="0" marR="0" lvl="0" indent="0" algn="ctr" defTabSz="914445" rtl="0" eaLnBrk="1" fontAlgn="auto" latinLnBrk="0" hangingPunct="1">
+              <a:lnSpc>
+                <a:spcPct val="100000"/>
+              </a:lnSpc>
+              <a:spcBef>
+                <a:spcPts val="0"/>
+              </a:spcBef>
+              <a:spcAft>
+                <a:spcPts val="0"/>
+              </a:spcAft>
+              <a:buClrTx/>
+              <a:buSzTx/>
+              <a:buFontTx/>
+              <a:buNone/>
+              <a:tabLst/>
+              <a:defRPr/>
+            </a:pPr>
+            <a:r>
+              <a:rPr kumimoji="0" lang="pt-BR" sz="3600" b="1" i="0" u="none" strike="noStrike" kern="1200" cap="none" spc="0" normalizeH="0" baseline="0" noProof="0" dirty="0">
+                <a:ln>
+                  <a:noFill/>
+                </a:ln>
+                <a:solidFill>
+                  <a:srgbClr val="FFC000">
+                    <a:lumMod val="40000"/>
+                    <a:lumOff val="60000"/>
+                  </a:srgbClr>
+                </a:solidFill>
+                <a:effectLst/>
+                <a:uLnTx/>
+                <a:uFillTx/>
+                <a:latin typeface="Times New Roman" panose="02020603050405020304" pitchFamily="18" charset="0"/>
+                <a:ea typeface="+mn-ea"/>
+                <a:cs typeface="Times New Roman" panose="02020603050405020304" pitchFamily="18" charset="0"/>
+              </a:rPr>
+              <a:t>Frutose-6-fosfato</a:t>
+            </a:r>
+          </a:p>
+        </p:txBody>
+      </p:sp>
+      <p:pic>
+        <p:nvPicPr>
+          <p:cNvPr id="2" name="Imagem 1">
+            <a:extLst>
+              <a:ext uri="{FF2B5EF4-FFF2-40B4-BE49-F238E27FC236}">
+                <a16:creationId xmlns:a16="http://schemas.microsoft.com/office/drawing/2014/main" id="{082F9CBD-3D36-43E8-8795-D543C20747CB}"/>
+              </a:ext>
+            </a:extLst>
+          </p:cNvPr>
+          <p:cNvPicPr>
+            <a:picLocks noChangeAspect="1"/>
+          </p:cNvPicPr>
+          <p:nvPr/>
+        </p:nvPicPr>
+        <p:blipFill>
+          <a:blip r:embed="rId2"/>
+          <a:stretch>
+            <a:fillRect/>
+          </a:stretch>
+        </p:blipFill>
+        <p:spPr>
+          <a:xfrm>
+            <a:off x="428377" y="372574"/>
+            <a:ext cx="4761979" cy="3411337"/>
+          </a:xfrm>
+          <a:prstGeom prst="rect">
+            <a:avLst/>
+          </a:prstGeom>
+        </p:spPr>
+      </p:pic>
+      <p:pic>
+        <p:nvPicPr>
+          <p:cNvPr id="3" name="Imagem 2">
+            <a:extLst>
+              <a:ext uri="{FF2B5EF4-FFF2-40B4-BE49-F238E27FC236}">
+                <a16:creationId xmlns:a16="http://schemas.microsoft.com/office/drawing/2014/main" id="{B647069D-49C9-4846-AF90-1A26ECF766BE}"/>
+              </a:ext>
+            </a:extLst>
+          </p:cNvPr>
+          <p:cNvPicPr>
+            <a:picLocks noChangeAspect="1"/>
+          </p:cNvPicPr>
+          <p:nvPr/>
+        </p:nvPicPr>
+        <p:blipFill>
+          <a:blip r:embed="rId3"/>
+          <a:stretch>
+            <a:fillRect/>
+          </a:stretch>
+        </p:blipFill>
+        <p:spPr>
+          <a:xfrm>
+            <a:off x="428377" y="6268105"/>
+            <a:ext cx="4192349" cy="4531658"/>
+          </a:xfrm>
+          <a:prstGeom prst="rect">
+            <a:avLst/>
+          </a:prstGeom>
+        </p:spPr>
+      </p:pic>
+      <p:grpSp>
+        <p:nvGrpSpPr>
+          <p:cNvPr id="40" name="Agrupar 39">
+            <a:extLst>
+              <a:ext uri="{FF2B5EF4-FFF2-40B4-BE49-F238E27FC236}">
+                <a16:creationId xmlns:a16="http://schemas.microsoft.com/office/drawing/2014/main" id="{B52D4760-1980-41DE-A7BE-422130ACB0B5}"/>
+              </a:ext>
+            </a:extLst>
+          </p:cNvPr>
+          <p:cNvGrpSpPr/>
+          <p:nvPr/>
+        </p:nvGrpSpPr>
+        <p:grpSpPr>
+          <a:xfrm>
+            <a:off x="6073635" y="4052377"/>
+            <a:ext cx="508115" cy="2276077"/>
+            <a:chOff x="5390318" y="4090088"/>
+            <a:chExt cx="469476" cy="2933863"/>
+          </a:xfrm>
+        </p:grpSpPr>
+        <p:cxnSp>
+          <p:nvCxnSpPr>
+            <p:cNvPr id="41" name="Conector reto 40">
+              <a:extLst>
+                <a:ext uri="{FF2B5EF4-FFF2-40B4-BE49-F238E27FC236}">
+                  <a16:creationId xmlns:a16="http://schemas.microsoft.com/office/drawing/2014/main" id="{07E1877E-AC61-4E40-B4DC-AC6C5921F0C2}"/>
+                </a:ext>
+              </a:extLst>
+            </p:cNvPr>
+            <p:cNvCxnSpPr>
+              <a:cxnSpLocks/>
+            </p:cNvCxnSpPr>
+            <p:nvPr/>
+          </p:nvCxnSpPr>
+          <p:spPr>
+            <a:xfrm>
+              <a:off x="5390318" y="4090088"/>
+              <a:ext cx="0" cy="2922880"/>
+            </a:xfrm>
+            <a:prstGeom prst="line">
+              <a:avLst/>
+            </a:prstGeom>
+            <a:ln w="76200">
+              <a:solidFill>
+                <a:schemeClr val="bg1"/>
+              </a:solidFill>
+              <a:headEnd type="triangle" w="med" len="med"/>
+              <a:tailEnd type="none" w="med" len="med"/>
+            </a:ln>
+          </p:spPr>
+          <p:style>
+            <a:lnRef idx="1">
+              <a:schemeClr val="accent1"/>
+            </a:lnRef>
+            <a:fillRef idx="0">
+              <a:schemeClr val="accent1"/>
+            </a:fillRef>
+            <a:effectRef idx="0">
+              <a:schemeClr val="accent1"/>
+            </a:effectRef>
+            <a:fontRef idx="minor">
+              <a:schemeClr val="tx1"/>
+            </a:fontRef>
+          </p:style>
+        </p:cxnSp>
+        <p:cxnSp>
+          <p:nvCxnSpPr>
+            <p:cNvPr id="42" name="Conector reto 41">
+              <a:extLst>
+                <a:ext uri="{FF2B5EF4-FFF2-40B4-BE49-F238E27FC236}">
+                  <a16:creationId xmlns:a16="http://schemas.microsoft.com/office/drawing/2014/main" id="{41D4F495-38CB-4B8F-982C-7E6344921F64}"/>
+                </a:ext>
+              </a:extLst>
+            </p:cNvPr>
+            <p:cNvCxnSpPr>
+              <a:cxnSpLocks/>
+            </p:cNvCxnSpPr>
+            <p:nvPr/>
+          </p:nvCxnSpPr>
+          <p:spPr>
+            <a:xfrm>
+              <a:off x="5859794" y="4101071"/>
+              <a:ext cx="0" cy="2922880"/>
+            </a:xfrm>
+            <a:prstGeom prst="line">
+              <a:avLst/>
+            </a:prstGeom>
+            <a:ln w="76200">
+              <a:solidFill>
+                <a:schemeClr val="bg1"/>
+              </a:solidFill>
+              <a:headEnd type="none" w="med" len="med"/>
+              <a:tailEnd type="triangle" w="med" len="med"/>
+            </a:ln>
+          </p:spPr>
+          <p:style>
+            <a:lnRef idx="1">
+              <a:schemeClr val="accent1"/>
+            </a:lnRef>
+            <a:fillRef idx="0">
+              <a:schemeClr val="accent1"/>
+            </a:fillRef>
+            <a:effectRef idx="0">
+              <a:schemeClr val="accent1"/>
+            </a:effectRef>
+            <a:fontRef idx="minor">
+              <a:schemeClr val="tx1"/>
+            </a:fontRef>
+          </p:style>
+        </p:cxnSp>
+      </p:grpSp>
+    </p:spTree>
+    <p:extLst>
+      <p:ext uri="{BB962C8B-B14F-4D97-AF65-F5344CB8AC3E}">
+        <p14:creationId xmlns:p14="http://schemas.microsoft.com/office/powerpoint/2010/main" val="3288914942"/>
+      </p:ext>
+    </p:extLst>
+  </p:cSld>
+  <p:clrMapOvr>
+    <a:masterClrMapping/>
+  </p:clrMapOvr>
+</p:sld>
+</file>
+
+<file path=ppt/slides/slide18.xml><?xml version="1.0" encoding="utf-8"?>
+<p:sld xmlns:a="http://schemas.openxmlformats.org/drawingml/2006/main" xmlns:r="http://schemas.openxmlformats.org/officeDocument/2006/relationships" xmlns:p="http://schemas.openxmlformats.org/presentationml/2006/main">
+  <p:cSld>
+    <p:spTree>
+      <p:nvGrpSpPr>
+        <p:cNvPr id="1" name=""/>
+        <p:cNvGrpSpPr/>
+        <p:nvPr/>
+      </p:nvGrpSpPr>
+      <p:grpSpPr>
+        <a:xfrm>
+          <a:off x="0" y="0"/>
+          <a:ext cx="0" cy="0"/>
+          <a:chOff x="0" y="0"/>
+          <a:chExt cx="0" cy="0"/>
+        </a:xfrm>
+      </p:grpSpPr>
+      <p:sp>
+        <p:nvSpPr>
+          <p:cNvPr id="17" name="Retângulo: Cantos Arredondados 16">
+            <a:extLst>
+              <a:ext uri="{FF2B5EF4-FFF2-40B4-BE49-F238E27FC236}">
+                <a16:creationId xmlns:a16="http://schemas.microsoft.com/office/drawing/2014/main" id="{0303635B-8945-4F9B-B36B-C74207A09B3C}"/>
+              </a:ext>
+            </a:extLst>
+          </p:cNvPr>
+          <p:cNvSpPr/>
+          <p:nvPr/>
+        </p:nvSpPr>
+        <p:spPr>
+          <a:xfrm>
+            <a:off x="4084225" y="6535208"/>
+            <a:ext cx="4486936" cy="846101"/>
+          </a:xfrm>
+          <a:prstGeom prst="roundRect">
+            <a:avLst/>
+          </a:prstGeom>
+          <a:solidFill>
+            <a:srgbClr val="E58E57"/>
+          </a:solidFill>
+          <a:ln w="76200">
+            <a:solidFill>
+              <a:schemeClr val="bg1"/>
+            </a:solidFill>
+          </a:ln>
+        </p:spPr>
+        <p:style>
+          <a:lnRef idx="2">
+            <a:schemeClr val="accent1">
+              <a:shade val="50000"/>
+            </a:schemeClr>
+          </a:lnRef>
+          <a:fillRef idx="1">
+            <a:schemeClr val="accent1"/>
+          </a:fillRef>
+          <a:effectRef idx="0">
+            <a:schemeClr val="accent1"/>
+          </a:effectRef>
+          <a:fontRef idx="minor">
+            <a:schemeClr val="lt1"/>
+          </a:fontRef>
+        </p:style>
+        <p:txBody>
+          <a:bodyPr rtlCol="0" anchor="ctr"/>
+          <a:lstStyle/>
+          <a:p>
+            <a:pPr marL="0" marR="0" lvl="0" indent="0" algn="ctr" defTabSz="914445" rtl="0" eaLnBrk="1" fontAlgn="auto" latinLnBrk="0" hangingPunct="1">
+              <a:lnSpc>
+                <a:spcPct val="100000"/>
+              </a:lnSpc>
+              <a:spcBef>
+                <a:spcPts val="0"/>
+              </a:spcBef>
+              <a:spcAft>
+                <a:spcPts val="0"/>
+              </a:spcAft>
+              <a:buClrTx/>
+              <a:buSzTx/>
+              <a:buFontTx/>
+              <a:buNone/>
+              <a:tabLst/>
+              <a:defRPr/>
+            </a:pPr>
+            <a:r>
+              <a:rPr lang="pt-BR" sz="3600" b="1" dirty="0">
+                <a:solidFill>
+                  <a:prstClr val="black"/>
+                </a:solidFill>
+                <a:latin typeface="Times New Roman" panose="02020603050405020304" pitchFamily="18" charset="0"/>
+                <a:cs typeface="Times New Roman" panose="02020603050405020304" pitchFamily="18" charset="0"/>
+              </a:rPr>
+              <a:t>Glicose</a:t>
+            </a:r>
+            <a:r>
+              <a:rPr kumimoji="0" lang="pt-BR" sz="3600" b="1" i="0" u="none" strike="noStrike" kern="1200" cap="none" spc="0" normalizeH="0" baseline="0" noProof="0" dirty="0">
+                <a:ln>
+                  <a:noFill/>
+                </a:ln>
+                <a:solidFill>
+                  <a:prstClr val="black"/>
+                </a:solidFill>
+                <a:effectLst/>
+                <a:uLnTx/>
+                <a:uFillTx/>
+                <a:latin typeface="Times New Roman" panose="02020603050405020304" pitchFamily="18" charset="0"/>
+                <a:ea typeface="+mn-ea"/>
+                <a:cs typeface="Times New Roman" panose="02020603050405020304" pitchFamily="18" charset="0"/>
+              </a:rPr>
+              <a:t>-6-fosfato</a:t>
+            </a:r>
+          </a:p>
+        </p:txBody>
+      </p:sp>
+      <p:pic>
+        <p:nvPicPr>
+          <p:cNvPr id="32" name="Imagem 31">
+            <a:extLst>
+              <a:ext uri="{FF2B5EF4-FFF2-40B4-BE49-F238E27FC236}">
+                <a16:creationId xmlns:a16="http://schemas.microsoft.com/office/drawing/2014/main" id="{F4464296-969F-4888-90B3-EAFBE02490F7}"/>
+              </a:ext>
+            </a:extLst>
+          </p:cNvPr>
+          <p:cNvPicPr>
+            <a:picLocks noChangeAspect="1"/>
+          </p:cNvPicPr>
+          <p:nvPr/>
+        </p:nvPicPr>
+        <p:blipFill>
+          <a:blip r:embed="rId2"/>
+          <a:stretch>
+            <a:fillRect/>
+          </a:stretch>
+        </p:blipFill>
+        <p:spPr>
+          <a:xfrm>
+            <a:off x="575565" y="507967"/>
+            <a:ext cx="5248123" cy="3337656"/>
+          </a:xfrm>
+          <a:prstGeom prst="rect">
+            <a:avLst/>
+          </a:prstGeom>
+        </p:spPr>
+      </p:pic>
+      <p:sp>
+        <p:nvSpPr>
+          <p:cNvPr id="33" name="Retângulo: Cantos Arredondados 32">
+            <a:extLst>
+              <a:ext uri="{FF2B5EF4-FFF2-40B4-BE49-F238E27FC236}">
+                <a16:creationId xmlns:a16="http://schemas.microsoft.com/office/drawing/2014/main" id="{17CCCFAE-544D-4143-9024-513C3201EE32}"/>
+              </a:ext>
+            </a:extLst>
+          </p:cNvPr>
+          <p:cNvSpPr/>
+          <p:nvPr/>
+        </p:nvSpPr>
+        <p:spPr>
+          <a:xfrm>
+            <a:off x="4084226" y="2999523"/>
+            <a:ext cx="4486935" cy="846101"/>
+          </a:xfrm>
+          <a:prstGeom prst="roundRect">
+            <a:avLst/>
+          </a:prstGeom>
+          <a:solidFill>
+            <a:schemeClr val="tx1">
+              <a:lumMod val="65000"/>
+              <a:lumOff val="35000"/>
+            </a:schemeClr>
+          </a:solidFill>
+          <a:ln w="76200">
+            <a:solidFill>
+              <a:schemeClr val="bg1"/>
+            </a:solidFill>
+          </a:ln>
+        </p:spPr>
+        <p:style>
+          <a:lnRef idx="2">
+            <a:schemeClr val="accent1">
+              <a:shade val="50000"/>
+            </a:schemeClr>
+          </a:lnRef>
+          <a:fillRef idx="1">
+            <a:schemeClr val="accent1"/>
+          </a:fillRef>
+          <a:effectRef idx="0">
+            <a:schemeClr val="accent1"/>
+          </a:effectRef>
+          <a:fontRef idx="minor">
+            <a:schemeClr val="lt1"/>
+          </a:fontRef>
+        </p:style>
+        <p:txBody>
+          <a:bodyPr rtlCol="0" anchor="ctr"/>
+          <a:lstStyle/>
+          <a:p>
+            <a:pPr marL="0" marR="0" lvl="0" indent="0" algn="ctr" defTabSz="914445" rtl="0" eaLnBrk="1" fontAlgn="auto" latinLnBrk="0" hangingPunct="1">
+              <a:lnSpc>
+                <a:spcPct val="100000"/>
+              </a:lnSpc>
+              <a:spcBef>
+                <a:spcPts val="0"/>
+              </a:spcBef>
+              <a:spcAft>
+                <a:spcPts val="0"/>
+              </a:spcAft>
+              <a:buClrTx/>
+              <a:buSzTx/>
+              <a:buFontTx/>
+              <a:buNone/>
+              <a:tabLst/>
+              <a:defRPr/>
+            </a:pPr>
+            <a:r>
+              <a:rPr kumimoji="0" lang="pt-BR" sz="3600" b="1" i="0" u="none" strike="noStrike" kern="1200" cap="none" spc="0" normalizeH="0" baseline="0" noProof="0" dirty="0">
+                <a:ln>
+                  <a:noFill/>
+                </a:ln>
+                <a:solidFill>
+                  <a:srgbClr val="FFC000">
+                    <a:lumMod val="40000"/>
+                    <a:lumOff val="60000"/>
+                  </a:srgbClr>
+                </a:solidFill>
+                <a:effectLst/>
+                <a:uLnTx/>
+                <a:uFillTx/>
+                <a:latin typeface="Times New Roman" panose="02020603050405020304" pitchFamily="18" charset="0"/>
+                <a:ea typeface="+mn-ea"/>
+                <a:cs typeface="Times New Roman" panose="02020603050405020304" pitchFamily="18" charset="0"/>
+              </a:rPr>
+              <a:t>Frutose-6-fosfato</a:t>
+            </a:r>
+          </a:p>
+        </p:txBody>
+      </p:sp>
+      <p:grpSp>
+        <p:nvGrpSpPr>
+          <p:cNvPr id="16" name="Agrupar 15">
+            <a:extLst>
+              <a:ext uri="{FF2B5EF4-FFF2-40B4-BE49-F238E27FC236}">
+                <a16:creationId xmlns:a16="http://schemas.microsoft.com/office/drawing/2014/main" id="{5CB91BC9-8E8E-4962-B56D-1E4AED258C27}"/>
+              </a:ext>
+            </a:extLst>
+          </p:cNvPr>
+          <p:cNvGrpSpPr/>
+          <p:nvPr/>
+        </p:nvGrpSpPr>
+        <p:grpSpPr>
+          <a:xfrm>
+            <a:off x="6073635" y="4061103"/>
+            <a:ext cx="508115" cy="2276077"/>
+            <a:chOff x="5390318" y="4090088"/>
+            <a:chExt cx="469476" cy="2933863"/>
+          </a:xfrm>
+        </p:grpSpPr>
+        <p:cxnSp>
+          <p:nvCxnSpPr>
+            <p:cNvPr id="19" name="Conector reto 18">
+              <a:extLst>
+                <a:ext uri="{FF2B5EF4-FFF2-40B4-BE49-F238E27FC236}">
+                  <a16:creationId xmlns:a16="http://schemas.microsoft.com/office/drawing/2014/main" id="{CE9EC0DD-A7BD-4A01-976C-8528A473AE98}"/>
+                </a:ext>
+              </a:extLst>
+            </p:cNvPr>
+            <p:cNvCxnSpPr>
+              <a:cxnSpLocks/>
+            </p:cNvCxnSpPr>
+            <p:nvPr/>
+          </p:nvCxnSpPr>
+          <p:spPr>
+            <a:xfrm>
+              <a:off x="5390318" y="4090088"/>
+              <a:ext cx="0" cy="2922880"/>
+            </a:xfrm>
+            <a:prstGeom prst="line">
+              <a:avLst/>
+            </a:prstGeom>
+            <a:ln w="76200">
+              <a:solidFill>
+                <a:schemeClr val="bg1"/>
+              </a:solidFill>
+              <a:headEnd type="triangle" w="med" len="med"/>
+              <a:tailEnd type="none" w="med" len="med"/>
+            </a:ln>
+          </p:spPr>
+          <p:style>
+            <a:lnRef idx="1">
+              <a:schemeClr val="accent1"/>
+            </a:lnRef>
+            <a:fillRef idx="0">
+              <a:schemeClr val="accent1"/>
+            </a:fillRef>
+            <a:effectRef idx="0">
+              <a:schemeClr val="accent1"/>
+            </a:effectRef>
+            <a:fontRef idx="minor">
+              <a:schemeClr val="tx1"/>
+            </a:fontRef>
+          </p:style>
+        </p:cxnSp>
+        <p:cxnSp>
+          <p:nvCxnSpPr>
+            <p:cNvPr id="20" name="Conector reto 19">
+              <a:extLst>
+                <a:ext uri="{FF2B5EF4-FFF2-40B4-BE49-F238E27FC236}">
+                  <a16:creationId xmlns:a16="http://schemas.microsoft.com/office/drawing/2014/main" id="{E200593A-8C9A-4BD3-BB20-C9132058CD42}"/>
+                </a:ext>
+              </a:extLst>
+            </p:cNvPr>
+            <p:cNvCxnSpPr>
+              <a:cxnSpLocks/>
+            </p:cNvCxnSpPr>
+            <p:nvPr/>
+          </p:nvCxnSpPr>
+          <p:spPr>
+            <a:xfrm>
+              <a:off x="5859794" y="4101071"/>
+              <a:ext cx="0" cy="2922880"/>
+            </a:xfrm>
+            <a:prstGeom prst="line">
+              <a:avLst/>
+            </a:prstGeom>
+            <a:ln w="76200">
+              <a:solidFill>
+                <a:schemeClr val="bg1"/>
+              </a:solidFill>
+              <a:headEnd type="none" w="med" len="med"/>
+              <a:tailEnd type="triangle" w="med" len="med"/>
+            </a:ln>
+          </p:spPr>
+          <p:style>
+            <a:lnRef idx="1">
+              <a:schemeClr val="accent1"/>
+            </a:lnRef>
+            <a:fillRef idx="0">
+              <a:schemeClr val="accent1"/>
+            </a:fillRef>
+            <a:effectRef idx="0">
+              <a:schemeClr val="accent1"/>
+            </a:effectRef>
+            <a:fontRef idx="minor">
+              <a:schemeClr val="tx1"/>
+            </a:fontRef>
+          </p:style>
+        </p:cxnSp>
+      </p:grpSp>
+      <p:sp>
+        <p:nvSpPr>
+          <p:cNvPr id="21" name="CustomShape 3">
+            <a:extLst>
+              <a:ext uri="{FF2B5EF4-FFF2-40B4-BE49-F238E27FC236}">
+                <a16:creationId xmlns:a16="http://schemas.microsoft.com/office/drawing/2014/main" id="{14DAB872-9D05-4CC7-AB1D-0D1951060199}"/>
+              </a:ext>
+            </a:extLst>
+          </p:cNvPr>
+          <p:cNvSpPr/>
+          <p:nvPr/>
+        </p:nvSpPr>
+        <p:spPr>
+          <a:xfrm>
+            <a:off x="631497" y="4867974"/>
+            <a:ext cx="5136260" cy="644883"/>
+          </a:xfrm>
+          <a:prstGeom prst="rect">
+            <a:avLst/>
+          </a:prstGeom>
+          <a:noFill/>
+          <a:ln>
+            <a:noFill/>
+          </a:ln>
+        </p:spPr>
+        <p:style>
+          <a:lnRef idx="0">
+            <a:scrgbClr r="0" g="0" b="0"/>
+          </a:lnRef>
+          <a:fillRef idx="0">
+            <a:scrgbClr r="0" g="0" b="0"/>
+          </a:fillRef>
+          <a:effectRef idx="0">
+            <a:scrgbClr r="0" g="0" b="0"/>
+          </a:effectRef>
+          <a:fontRef idx="minor"/>
+        </p:style>
+        <p:txBody>
+          <a:bodyPr wrap="square" lIns="90002" tIns="45003" rIns="90002" bIns="45003">
+            <a:spAutoFit/>
+          </a:bodyPr>
+          <a:lstStyle/>
+          <a:p>
+            <a:pPr lvl="0" algn="r" defTabSz="914445">
+              <a:defRPr/>
+            </a:pPr>
+            <a:r>
+              <a:rPr lang="pt-BR" sz="3600" b="1" spc="-4" dirty="0" err="1">
+                <a:solidFill>
+                  <a:prstClr val="white"/>
+                </a:solidFill>
+                <a:latin typeface="Bell MT"/>
+              </a:rPr>
+              <a:t>Fosfo</a:t>
+            </a:r>
+            <a:r>
+              <a:rPr lang="pt-BR" sz="3600" b="1" spc="-4" dirty="0">
+                <a:solidFill>
+                  <a:prstClr val="white"/>
+                </a:solidFill>
+                <a:latin typeface="Bell MT"/>
+              </a:rPr>
+              <a:t>-hexose </a:t>
+            </a:r>
+            <a:r>
+              <a:rPr lang="pt-BR" sz="3600" b="1" spc="-4" dirty="0" err="1">
+                <a:solidFill>
+                  <a:prstClr val="white"/>
+                </a:solidFill>
+                <a:latin typeface="Bell MT"/>
+              </a:rPr>
+              <a:t>isomerase</a:t>
+            </a:r>
+            <a:endParaRPr lang="pt-BR" sz="3600" b="1" spc="-4" dirty="0">
+              <a:solidFill>
+                <a:prstClr val="white"/>
+              </a:solidFill>
+              <a:latin typeface="Bell MT"/>
+            </a:endParaRPr>
+          </a:p>
+        </p:txBody>
+      </p:sp>
+      <p:pic>
+        <p:nvPicPr>
+          <p:cNvPr id="22" name="Imagem 21">
+            <a:extLst>
+              <a:ext uri="{FF2B5EF4-FFF2-40B4-BE49-F238E27FC236}">
+                <a16:creationId xmlns:a16="http://schemas.microsoft.com/office/drawing/2014/main" id="{67826765-82E3-424F-B815-8269822EE7EF}"/>
+              </a:ext>
+            </a:extLst>
+          </p:cNvPr>
+          <p:cNvPicPr>
+            <a:picLocks noChangeAspect="1"/>
+          </p:cNvPicPr>
+          <p:nvPr/>
+        </p:nvPicPr>
+        <p:blipFill>
+          <a:blip r:embed="rId3"/>
+          <a:stretch>
+            <a:fillRect/>
+          </a:stretch>
+        </p:blipFill>
+        <p:spPr>
+          <a:xfrm>
+            <a:off x="428377" y="6268105"/>
+            <a:ext cx="4192349" cy="4531658"/>
+          </a:xfrm>
+          <a:prstGeom prst="rect">
+            <a:avLst/>
+          </a:prstGeom>
+        </p:spPr>
+      </p:pic>
+    </p:spTree>
+    <p:extLst>
+      <p:ext uri="{BB962C8B-B14F-4D97-AF65-F5344CB8AC3E}">
+        <p14:creationId xmlns:p14="http://schemas.microsoft.com/office/powerpoint/2010/main" val="2288339946"/>
+      </p:ext>
+    </p:extLst>
+  </p:cSld>
+  <p:clrMapOvr>
+    <a:masterClrMapping/>
+  </p:clrMapOvr>
+</p:sld>
+</file>
+
+<file path=ppt/slides/slide19.xml><?xml version="1.0" encoding="utf-8"?>
+<p:sld xmlns:a="http://schemas.openxmlformats.org/drawingml/2006/main" xmlns:r="http://schemas.openxmlformats.org/officeDocument/2006/relationships" xmlns:p="http://schemas.openxmlformats.org/presentationml/2006/main">
+  <p:cSld>
+    <p:spTree>
+      <p:nvGrpSpPr>
+        <p:cNvPr id="1" name=""/>
+        <p:cNvGrpSpPr/>
+        <p:nvPr/>
+      </p:nvGrpSpPr>
+      <p:grpSpPr>
+        <a:xfrm>
+          <a:off x="0" y="0"/>
+          <a:ext cx="0" cy="0"/>
+          <a:chOff x="0" y="0"/>
+          <a:chExt cx="0" cy="0"/>
+        </a:xfrm>
+      </p:grpSpPr>
+      <p:sp>
+        <p:nvSpPr>
+          <p:cNvPr id="17" name="Retângulo: Cantos Arredondados 16">
+            <a:extLst>
+              <a:ext uri="{FF2B5EF4-FFF2-40B4-BE49-F238E27FC236}">
+                <a16:creationId xmlns:a16="http://schemas.microsoft.com/office/drawing/2014/main" id="{0303635B-8945-4F9B-B36B-C74207A09B3C}"/>
+              </a:ext>
+            </a:extLst>
+          </p:cNvPr>
+          <p:cNvSpPr/>
+          <p:nvPr/>
+        </p:nvSpPr>
+        <p:spPr>
+          <a:xfrm>
+            <a:off x="4205182" y="6875450"/>
+            <a:ext cx="4486936" cy="846101"/>
+          </a:xfrm>
+          <a:prstGeom prst="roundRect">
+            <a:avLst/>
+          </a:prstGeom>
+          <a:solidFill>
+            <a:srgbClr val="E58E57"/>
+          </a:solidFill>
+          <a:ln w="76200">
+            <a:solidFill>
+              <a:schemeClr val="bg1"/>
+            </a:solidFill>
+          </a:ln>
+        </p:spPr>
+        <p:style>
+          <a:lnRef idx="2">
+            <a:schemeClr val="accent1">
+              <a:shade val="50000"/>
+            </a:schemeClr>
+          </a:lnRef>
+          <a:fillRef idx="1">
+            <a:schemeClr val="accent1"/>
+          </a:fillRef>
+          <a:effectRef idx="0">
+            <a:schemeClr val="accent1"/>
+          </a:effectRef>
+          <a:fontRef idx="minor">
+            <a:schemeClr val="lt1"/>
+          </a:fontRef>
+        </p:style>
+        <p:txBody>
+          <a:bodyPr rtlCol="0" anchor="ctr"/>
+          <a:lstStyle/>
+          <a:p>
+            <a:pPr marL="0" marR="0" lvl="0" indent="0" algn="ctr" defTabSz="914445" rtl="0" eaLnBrk="1" fontAlgn="auto" latinLnBrk="0" hangingPunct="1">
+              <a:lnSpc>
+                <a:spcPct val="100000"/>
+              </a:lnSpc>
+              <a:spcBef>
+                <a:spcPts val="0"/>
+              </a:spcBef>
+              <a:spcAft>
+                <a:spcPts val="0"/>
+              </a:spcAft>
+              <a:buClrTx/>
+              <a:buSzTx/>
+              <a:buFontTx/>
+              <a:buNone/>
+              <a:tabLst/>
+              <a:defRPr/>
+            </a:pPr>
+            <a:r>
+              <a:rPr kumimoji="0" lang="pt-BR" sz="3600" b="1" i="0" u="none" strike="noStrike" kern="1200" cap="none" spc="0" normalizeH="0" baseline="0" noProof="0" dirty="0">
+                <a:ln>
+                  <a:noFill/>
+                </a:ln>
+                <a:solidFill>
+                  <a:prstClr val="black"/>
+                </a:solidFill>
+                <a:effectLst/>
+                <a:uLnTx/>
+                <a:uFillTx/>
+                <a:latin typeface="Times New Roman" panose="02020603050405020304" pitchFamily="18" charset="0"/>
+                <a:ea typeface="+mn-ea"/>
+                <a:cs typeface="Times New Roman" panose="02020603050405020304" pitchFamily="18" charset="0"/>
+              </a:rPr>
+              <a:t>?</a:t>
+            </a:r>
+          </a:p>
+        </p:txBody>
+      </p:sp>
+      <p:sp>
+        <p:nvSpPr>
+          <p:cNvPr id="18" name="CustomShape 3">
+            <a:extLst>
+              <a:ext uri="{FF2B5EF4-FFF2-40B4-BE49-F238E27FC236}">
+                <a16:creationId xmlns:a16="http://schemas.microsoft.com/office/drawing/2014/main" id="{CC80BCD1-7986-47BF-93BA-9F8145C2A1CE}"/>
+              </a:ext>
+            </a:extLst>
+          </p:cNvPr>
+          <p:cNvSpPr/>
+          <p:nvPr/>
+        </p:nvSpPr>
+        <p:spPr>
+          <a:xfrm>
+            <a:off x="804275" y="5121697"/>
+            <a:ext cx="5136260" cy="644883"/>
+          </a:xfrm>
+          <a:prstGeom prst="rect">
+            <a:avLst/>
+          </a:prstGeom>
+          <a:noFill/>
+          <a:ln>
+            <a:noFill/>
+          </a:ln>
+        </p:spPr>
+        <p:style>
+          <a:lnRef idx="0">
+            <a:scrgbClr r="0" g="0" b="0"/>
+          </a:lnRef>
+          <a:fillRef idx="0">
+            <a:scrgbClr r="0" g="0" b="0"/>
+          </a:fillRef>
+          <a:effectRef idx="0">
+            <a:scrgbClr r="0" g="0" b="0"/>
+          </a:effectRef>
+          <a:fontRef idx="minor"/>
+        </p:style>
+        <p:txBody>
+          <a:bodyPr wrap="square" lIns="90002" tIns="45003" rIns="90002" bIns="45003">
+            <a:spAutoFit/>
+          </a:bodyPr>
+          <a:lstStyle/>
+          <a:p>
+            <a:pPr lvl="0" algn="r" defTabSz="914445">
+              <a:defRPr/>
+            </a:pPr>
+            <a:r>
+              <a:rPr lang="pt-BR" sz="3600" b="1" spc="-4" dirty="0">
+                <a:solidFill>
+                  <a:prstClr val="white"/>
+                </a:solidFill>
+                <a:latin typeface="Bell MT"/>
+              </a:rPr>
+              <a:t>Glicose-6-fosfatase</a:t>
+            </a:r>
+          </a:p>
+        </p:txBody>
+      </p:sp>
+      <p:sp>
+        <p:nvSpPr>
+          <p:cNvPr id="33" name="Retângulo: Cantos Arredondados 32">
+            <a:extLst>
+              <a:ext uri="{FF2B5EF4-FFF2-40B4-BE49-F238E27FC236}">
+                <a16:creationId xmlns:a16="http://schemas.microsoft.com/office/drawing/2014/main" id="{17CCCFAE-544D-4143-9024-513C3201EE32}"/>
+              </a:ext>
+            </a:extLst>
+          </p:cNvPr>
+          <p:cNvSpPr/>
+          <p:nvPr/>
+        </p:nvSpPr>
+        <p:spPr>
+          <a:xfrm>
+            <a:off x="4205183" y="3339765"/>
+            <a:ext cx="4486935" cy="846101"/>
+          </a:xfrm>
+          <a:prstGeom prst="roundRect">
+            <a:avLst/>
+          </a:prstGeom>
+          <a:solidFill>
+            <a:schemeClr val="tx1">
+              <a:lumMod val="65000"/>
+              <a:lumOff val="35000"/>
+            </a:schemeClr>
+          </a:solidFill>
+          <a:ln w="76200">
+            <a:solidFill>
+              <a:schemeClr val="bg1"/>
+            </a:solidFill>
+          </a:ln>
+        </p:spPr>
+        <p:style>
+          <a:lnRef idx="2">
+            <a:schemeClr val="accent1">
+              <a:shade val="50000"/>
+            </a:schemeClr>
+          </a:lnRef>
+          <a:fillRef idx="1">
+            <a:schemeClr val="accent1"/>
+          </a:fillRef>
+          <a:effectRef idx="0">
+            <a:schemeClr val="accent1"/>
+          </a:effectRef>
+          <a:fontRef idx="minor">
+            <a:schemeClr val="lt1"/>
+          </a:fontRef>
+        </p:style>
+        <p:txBody>
+          <a:bodyPr rtlCol="0" anchor="ctr"/>
+          <a:lstStyle/>
+          <a:p>
+            <a:pPr marL="0" marR="0" lvl="0" indent="0" algn="ctr" defTabSz="914445" rtl="0" eaLnBrk="1" fontAlgn="auto" latinLnBrk="0" hangingPunct="1">
+              <a:lnSpc>
+                <a:spcPct val="100000"/>
+              </a:lnSpc>
+              <a:spcBef>
+                <a:spcPts val="0"/>
+              </a:spcBef>
+              <a:spcAft>
+                <a:spcPts val="0"/>
+              </a:spcAft>
+              <a:buClrTx/>
+              <a:buSzTx/>
+              <a:buFontTx/>
+              <a:buNone/>
+              <a:tabLst/>
+              <a:defRPr/>
+            </a:pPr>
+            <a:r>
+              <a:rPr kumimoji="0" lang="pt-BR" sz="3600" b="1" i="0" u="none" strike="noStrike" kern="1200" cap="none" spc="0" normalizeH="0" baseline="0" noProof="0" dirty="0">
+                <a:ln>
+                  <a:noFill/>
+                </a:ln>
+                <a:solidFill>
+                  <a:srgbClr val="FFC000">
+                    <a:lumMod val="40000"/>
+                    <a:lumOff val="60000"/>
+                  </a:srgbClr>
+                </a:solidFill>
+                <a:effectLst/>
+                <a:uLnTx/>
+                <a:uFillTx/>
+                <a:latin typeface="Times New Roman" panose="02020603050405020304" pitchFamily="18" charset="0"/>
+                <a:ea typeface="+mn-ea"/>
+                <a:cs typeface="Times New Roman" panose="02020603050405020304" pitchFamily="18" charset="0"/>
+              </a:rPr>
+              <a:t>Glicose-6-fosfato</a:t>
+            </a:r>
+          </a:p>
+        </p:txBody>
+      </p:sp>
+      <p:pic>
+        <p:nvPicPr>
+          <p:cNvPr id="3" name="Imagem 2">
+            <a:extLst>
+              <a:ext uri="{FF2B5EF4-FFF2-40B4-BE49-F238E27FC236}">
+                <a16:creationId xmlns:a16="http://schemas.microsoft.com/office/drawing/2014/main" id="{B647069D-49C9-4846-AF90-1A26ECF766BE}"/>
+              </a:ext>
+            </a:extLst>
+          </p:cNvPr>
+          <p:cNvPicPr>
+            <a:picLocks noChangeAspect="1"/>
+          </p:cNvPicPr>
+          <p:nvPr/>
+        </p:nvPicPr>
+        <p:blipFill>
+          <a:blip r:embed="rId2"/>
+          <a:stretch>
+            <a:fillRect/>
+          </a:stretch>
+        </p:blipFill>
+        <p:spPr>
+          <a:xfrm>
+            <a:off x="307420" y="0"/>
+            <a:ext cx="4192349" cy="4531658"/>
+          </a:xfrm>
+          <a:prstGeom prst="rect">
+            <a:avLst/>
+          </a:prstGeom>
+        </p:spPr>
+      </p:pic>
+      <p:cxnSp>
+        <p:nvCxnSpPr>
+          <p:cNvPr id="42" name="Conector reto 41">
+            <a:extLst>
+              <a:ext uri="{FF2B5EF4-FFF2-40B4-BE49-F238E27FC236}">
+                <a16:creationId xmlns:a16="http://schemas.microsoft.com/office/drawing/2014/main" id="{41D4F495-38CB-4B8F-982C-7E6344921F64}"/>
+              </a:ext>
+            </a:extLst>
+          </p:cNvPr>
+          <p:cNvCxnSpPr>
+            <a:cxnSpLocks/>
+          </p:cNvCxnSpPr>
+          <p:nvPr/>
+        </p:nvCxnSpPr>
+        <p:spPr>
+          <a:xfrm>
+            <a:off x="6448650" y="4527272"/>
+            <a:ext cx="0" cy="2267556"/>
+          </a:xfrm>
+          <a:prstGeom prst="line">
+            <a:avLst/>
+          </a:prstGeom>
+          <a:ln w="76200">
+            <a:solidFill>
+              <a:schemeClr val="bg1"/>
+            </a:solidFill>
+            <a:headEnd type="none" w="med" len="med"/>
+            <a:tailEnd type="triangle" w="med" len="med"/>
+          </a:ln>
+        </p:spPr>
+        <p:style>
+          <a:lnRef idx="1">
+            <a:schemeClr val="accent1"/>
+          </a:lnRef>
+          <a:fillRef idx="0">
+            <a:schemeClr val="accent1"/>
+          </a:fillRef>
+          <a:effectRef idx="0">
+            <a:schemeClr val="accent1"/>
+          </a:effectRef>
+          <a:fontRef idx="minor">
+            <a:schemeClr val="tx1"/>
+          </a:fontRef>
+        </p:style>
+      </p:cxnSp>
+      <p:pic>
+        <p:nvPicPr>
+          <p:cNvPr id="4" name="Imagem 3">
+            <a:extLst>
+              <a:ext uri="{FF2B5EF4-FFF2-40B4-BE49-F238E27FC236}">
+                <a16:creationId xmlns:a16="http://schemas.microsoft.com/office/drawing/2014/main" id="{515CAA94-5064-4FCB-A770-186D75FF3540}"/>
+              </a:ext>
+            </a:extLst>
+          </p:cNvPr>
+          <p:cNvPicPr>
+            <a:picLocks noChangeAspect="1"/>
+          </p:cNvPicPr>
+          <p:nvPr/>
+        </p:nvPicPr>
+        <p:blipFill>
+          <a:blip r:embed="rId3"/>
+          <a:stretch>
+            <a:fillRect/>
+          </a:stretch>
+        </p:blipFill>
+        <p:spPr>
+          <a:xfrm>
+            <a:off x="394707" y="6356619"/>
+            <a:ext cx="4017773" cy="4613564"/>
+          </a:xfrm>
+          <a:prstGeom prst="rect">
+            <a:avLst/>
+          </a:prstGeom>
+        </p:spPr>
+      </p:pic>
+    </p:spTree>
+    <p:extLst>
+      <p:ext uri="{BB962C8B-B14F-4D97-AF65-F5344CB8AC3E}">
+        <p14:creationId xmlns:p14="http://schemas.microsoft.com/office/powerpoint/2010/main" val="3046613895"/>
       </p:ext>
     </p:extLst>
   </p:cSld>
@@ -9644,6 +12127,384 @@
 </p:sld>
 </file>
 
+<file path=ppt/slides/slide20.xml><?xml version="1.0" encoding="utf-8"?>
+<p:sld xmlns:a="http://schemas.openxmlformats.org/drawingml/2006/main" xmlns:r="http://schemas.openxmlformats.org/officeDocument/2006/relationships" xmlns:p="http://schemas.openxmlformats.org/presentationml/2006/main">
+  <p:cSld>
+    <p:spTree>
+      <p:nvGrpSpPr>
+        <p:cNvPr id="1" name=""/>
+        <p:cNvGrpSpPr/>
+        <p:nvPr/>
+      </p:nvGrpSpPr>
+      <p:grpSpPr>
+        <a:xfrm>
+          <a:off x="0" y="0"/>
+          <a:ext cx="0" cy="0"/>
+          <a:chOff x="0" y="0"/>
+          <a:chExt cx="0" cy="0"/>
+        </a:xfrm>
+      </p:grpSpPr>
+      <p:sp>
+        <p:nvSpPr>
+          <p:cNvPr id="17" name="Retângulo: Cantos Arredondados 16">
+            <a:extLst>
+              <a:ext uri="{FF2B5EF4-FFF2-40B4-BE49-F238E27FC236}">
+                <a16:creationId xmlns:a16="http://schemas.microsoft.com/office/drawing/2014/main" id="{0303635B-8945-4F9B-B36B-C74207A09B3C}"/>
+              </a:ext>
+            </a:extLst>
+          </p:cNvPr>
+          <p:cNvSpPr/>
+          <p:nvPr/>
+        </p:nvSpPr>
+        <p:spPr>
+          <a:xfrm>
+            <a:off x="3977899" y="6960510"/>
+            <a:ext cx="4486936" cy="846101"/>
+          </a:xfrm>
+          <a:prstGeom prst="roundRect">
+            <a:avLst/>
+          </a:prstGeom>
+          <a:solidFill>
+            <a:srgbClr val="E58E57"/>
+          </a:solidFill>
+          <a:ln w="76200">
+            <a:solidFill>
+              <a:schemeClr val="bg1"/>
+            </a:solidFill>
+          </a:ln>
+        </p:spPr>
+        <p:style>
+          <a:lnRef idx="2">
+            <a:schemeClr val="accent1">
+              <a:shade val="50000"/>
+            </a:schemeClr>
+          </a:lnRef>
+          <a:fillRef idx="1">
+            <a:schemeClr val="accent1"/>
+          </a:fillRef>
+          <a:effectRef idx="0">
+            <a:schemeClr val="accent1"/>
+          </a:effectRef>
+          <a:fontRef idx="minor">
+            <a:schemeClr val="lt1"/>
+          </a:fontRef>
+        </p:style>
+        <p:txBody>
+          <a:bodyPr rtlCol="0" anchor="ctr"/>
+          <a:lstStyle/>
+          <a:p>
+            <a:pPr marL="0" marR="0" lvl="0" indent="0" algn="ctr" defTabSz="914445" rtl="0" eaLnBrk="1" fontAlgn="auto" latinLnBrk="0" hangingPunct="1">
+              <a:lnSpc>
+                <a:spcPct val="100000"/>
+              </a:lnSpc>
+              <a:spcBef>
+                <a:spcPts val="0"/>
+              </a:spcBef>
+              <a:spcAft>
+                <a:spcPts val="0"/>
+              </a:spcAft>
+              <a:buClrTx/>
+              <a:buSzTx/>
+              <a:buFontTx/>
+              <a:buNone/>
+              <a:tabLst/>
+              <a:defRPr/>
+            </a:pPr>
+            <a:r>
+              <a:rPr lang="pt-BR" sz="3600" b="1" dirty="0">
+                <a:solidFill>
+                  <a:prstClr val="black"/>
+                </a:solidFill>
+                <a:latin typeface="Times New Roman" panose="02020603050405020304" pitchFamily="18" charset="0"/>
+                <a:cs typeface="Times New Roman" panose="02020603050405020304" pitchFamily="18" charset="0"/>
+              </a:rPr>
+              <a:t>Glicose</a:t>
+            </a:r>
+            <a:endParaRPr kumimoji="0" lang="pt-BR" sz="3600" b="1" i="0" u="none" strike="noStrike" kern="1200" cap="none" spc="0" normalizeH="0" baseline="0" noProof="0" dirty="0">
+              <a:ln>
+                <a:noFill/>
+              </a:ln>
+              <a:solidFill>
+                <a:prstClr val="black"/>
+              </a:solidFill>
+              <a:effectLst/>
+              <a:uLnTx/>
+              <a:uFillTx/>
+              <a:latin typeface="Times New Roman" panose="02020603050405020304" pitchFamily="18" charset="0"/>
+              <a:ea typeface="+mn-ea"/>
+              <a:cs typeface="Times New Roman" panose="02020603050405020304" pitchFamily="18" charset="0"/>
+            </a:endParaRPr>
+          </a:p>
+        </p:txBody>
+      </p:sp>
+      <p:sp>
+        <p:nvSpPr>
+          <p:cNvPr id="33" name="Retângulo: Cantos Arredondados 32">
+            <a:extLst>
+              <a:ext uri="{FF2B5EF4-FFF2-40B4-BE49-F238E27FC236}">
+                <a16:creationId xmlns:a16="http://schemas.microsoft.com/office/drawing/2014/main" id="{17CCCFAE-544D-4143-9024-513C3201EE32}"/>
+              </a:ext>
+            </a:extLst>
+          </p:cNvPr>
+          <p:cNvSpPr/>
+          <p:nvPr/>
+        </p:nvSpPr>
+        <p:spPr>
+          <a:xfrm>
+            <a:off x="3977900" y="3424825"/>
+            <a:ext cx="4486935" cy="846101"/>
+          </a:xfrm>
+          <a:prstGeom prst="roundRect">
+            <a:avLst/>
+          </a:prstGeom>
+          <a:solidFill>
+            <a:schemeClr val="tx1">
+              <a:lumMod val="65000"/>
+              <a:lumOff val="35000"/>
+            </a:schemeClr>
+          </a:solidFill>
+          <a:ln w="76200">
+            <a:solidFill>
+              <a:schemeClr val="bg1"/>
+            </a:solidFill>
+          </a:ln>
+        </p:spPr>
+        <p:style>
+          <a:lnRef idx="2">
+            <a:schemeClr val="accent1">
+              <a:shade val="50000"/>
+            </a:schemeClr>
+          </a:lnRef>
+          <a:fillRef idx="1">
+            <a:schemeClr val="accent1"/>
+          </a:fillRef>
+          <a:effectRef idx="0">
+            <a:schemeClr val="accent1"/>
+          </a:effectRef>
+          <a:fontRef idx="minor">
+            <a:schemeClr val="lt1"/>
+          </a:fontRef>
+        </p:style>
+        <p:txBody>
+          <a:bodyPr rtlCol="0" anchor="ctr"/>
+          <a:lstStyle/>
+          <a:p>
+            <a:pPr marL="0" marR="0" lvl="0" indent="0" algn="ctr" defTabSz="914445" rtl="0" eaLnBrk="1" fontAlgn="auto" latinLnBrk="0" hangingPunct="1">
+              <a:lnSpc>
+                <a:spcPct val="100000"/>
+              </a:lnSpc>
+              <a:spcBef>
+                <a:spcPts val="0"/>
+              </a:spcBef>
+              <a:spcAft>
+                <a:spcPts val="0"/>
+              </a:spcAft>
+              <a:buClrTx/>
+              <a:buSzTx/>
+              <a:buFontTx/>
+              <a:buNone/>
+              <a:tabLst/>
+              <a:defRPr/>
+            </a:pPr>
+            <a:r>
+              <a:rPr kumimoji="0" lang="pt-BR" sz="3600" b="1" i="0" u="none" strike="noStrike" kern="1200" cap="none" spc="0" normalizeH="0" baseline="0" noProof="0" dirty="0">
+                <a:ln>
+                  <a:noFill/>
+                </a:ln>
+                <a:solidFill>
+                  <a:srgbClr val="FFC000">
+                    <a:lumMod val="40000"/>
+                    <a:lumOff val="60000"/>
+                  </a:srgbClr>
+                </a:solidFill>
+                <a:effectLst/>
+                <a:uLnTx/>
+                <a:uFillTx/>
+                <a:latin typeface="Times New Roman" panose="02020603050405020304" pitchFamily="18" charset="0"/>
+                <a:ea typeface="+mn-ea"/>
+                <a:cs typeface="Times New Roman" panose="02020603050405020304" pitchFamily="18" charset="0"/>
+              </a:rPr>
+              <a:t>Glicose-6-fosfato</a:t>
+            </a:r>
+          </a:p>
+        </p:txBody>
+      </p:sp>
+      <p:cxnSp>
+        <p:nvCxnSpPr>
+          <p:cNvPr id="20" name="Conector reto 19">
+            <a:extLst>
+              <a:ext uri="{FF2B5EF4-FFF2-40B4-BE49-F238E27FC236}">
+                <a16:creationId xmlns:a16="http://schemas.microsoft.com/office/drawing/2014/main" id="{E200593A-8C9A-4BD3-BB20-C9132058CD42}"/>
+              </a:ext>
+            </a:extLst>
+          </p:cNvPr>
+          <p:cNvCxnSpPr>
+            <a:cxnSpLocks/>
+          </p:cNvCxnSpPr>
+          <p:nvPr/>
+        </p:nvCxnSpPr>
+        <p:spPr>
+          <a:xfrm>
+            <a:off x="6475424" y="4494926"/>
+            <a:ext cx="0" cy="2267556"/>
+          </a:xfrm>
+          <a:prstGeom prst="line">
+            <a:avLst/>
+          </a:prstGeom>
+          <a:ln w="76200">
+            <a:solidFill>
+              <a:schemeClr val="bg1"/>
+            </a:solidFill>
+            <a:headEnd type="none" w="med" len="med"/>
+            <a:tailEnd type="triangle" w="med" len="med"/>
+          </a:ln>
+        </p:spPr>
+        <p:style>
+          <a:lnRef idx="1">
+            <a:schemeClr val="accent1"/>
+          </a:lnRef>
+          <a:fillRef idx="0">
+            <a:schemeClr val="accent1"/>
+          </a:fillRef>
+          <a:effectRef idx="0">
+            <a:schemeClr val="accent1"/>
+          </a:effectRef>
+          <a:fontRef idx="minor">
+            <a:schemeClr val="tx1"/>
+          </a:fontRef>
+        </p:style>
+      </p:cxnSp>
+      <p:sp>
+        <p:nvSpPr>
+          <p:cNvPr id="10" name="CustomShape 3">
+            <a:extLst>
+              <a:ext uri="{FF2B5EF4-FFF2-40B4-BE49-F238E27FC236}">
+                <a16:creationId xmlns:a16="http://schemas.microsoft.com/office/drawing/2014/main" id="{FCEF3D7E-032C-4ECE-B0EF-6E71740330E0}"/>
+              </a:ext>
+            </a:extLst>
+          </p:cNvPr>
+          <p:cNvSpPr/>
+          <p:nvPr/>
+        </p:nvSpPr>
+        <p:spPr>
+          <a:xfrm>
+            <a:off x="804275" y="5121697"/>
+            <a:ext cx="5136260" cy="644883"/>
+          </a:xfrm>
+          <a:prstGeom prst="rect">
+            <a:avLst/>
+          </a:prstGeom>
+          <a:noFill/>
+          <a:ln>
+            <a:noFill/>
+          </a:ln>
+        </p:spPr>
+        <p:style>
+          <a:lnRef idx="0">
+            <a:scrgbClr r="0" g="0" b="0"/>
+          </a:lnRef>
+          <a:fillRef idx="0">
+            <a:scrgbClr r="0" g="0" b="0"/>
+          </a:fillRef>
+          <a:effectRef idx="0">
+            <a:scrgbClr r="0" g="0" b="0"/>
+          </a:effectRef>
+          <a:fontRef idx="minor"/>
+        </p:style>
+        <p:txBody>
+          <a:bodyPr wrap="square" lIns="90002" tIns="45003" rIns="90002" bIns="45003">
+            <a:spAutoFit/>
+          </a:bodyPr>
+          <a:lstStyle/>
+          <a:p>
+            <a:pPr lvl="0" algn="r" defTabSz="914445">
+              <a:defRPr/>
+            </a:pPr>
+            <a:r>
+              <a:rPr lang="pt-BR" sz="3600" b="1" spc="-4" dirty="0">
+                <a:solidFill>
+                  <a:prstClr val="white"/>
+                </a:solidFill>
+                <a:latin typeface="Bell MT"/>
+              </a:rPr>
+              <a:t>Glicose-6-fosfatase</a:t>
+            </a:r>
+          </a:p>
+        </p:txBody>
+      </p:sp>
+      <p:pic>
+        <p:nvPicPr>
+          <p:cNvPr id="11" name="Imagem 10">
+            <a:extLst>
+              <a:ext uri="{FF2B5EF4-FFF2-40B4-BE49-F238E27FC236}">
+                <a16:creationId xmlns:a16="http://schemas.microsoft.com/office/drawing/2014/main" id="{B9172246-61E0-4532-A1B9-D0AF61BE44C0}"/>
+              </a:ext>
+            </a:extLst>
+          </p:cNvPr>
+          <p:cNvPicPr>
+            <a:picLocks noChangeAspect="1"/>
+          </p:cNvPicPr>
+          <p:nvPr/>
+        </p:nvPicPr>
+        <p:blipFill>
+          <a:blip r:embed="rId2"/>
+          <a:stretch>
+            <a:fillRect/>
+          </a:stretch>
+        </p:blipFill>
+        <p:spPr>
+          <a:xfrm>
+            <a:off x="307420" y="0"/>
+            <a:ext cx="4192349" cy="4531658"/>
+          </a:xfrm>
+          <a:prstGeom prst="rect">
+            <a:avLst/>
+          </a:prstGeom>
+        </p:spPr>
+      </p:pic>
+      <p:pic>
+        <p:nvPicPr>
+          <p:cNvPr id="12" name="Imagem 11">
+            <a:extLst>
+              <a:ext uri="{FF2B5EF4-FFF2-40B4-BE49-F238E27FC236}">
+                <a16:creationId xmlns:a16="http://schemas.microsoft.com/office/drawing/2014/main" id="{D4F266F8-2B98-44D5-A0CA-5C70D9D2DE08}"/>
+              </a:ext>
+            </a:extLst>
+          </p:cNvPr>
+          <p:cNvPicPr>
+            <a:picLocks noChangeAspect="1"/>
+          </p:cNvPicPr>
+          <p:nvPr/>
+        </p:nvPicPr>
+        <p:blipFill>
+          <a:blip r:embed="rId3"/>
+          <a:stretch>
+            <a:fillRect/>
+          </a:stretch>
+        </p:blipFill>
+        <p:spPr>
+          <a:xfrm>
+            <a:off x="394707" y="6356619"/>
+            <a:ext cx="4017773" cy="4613564"/>
+          </a:xfrm>
+          <a:prstGeom prst="rect">
+            <a:avLst/>
+          </a:prstGeom>
+        </p:spPr>
+      </p:pic>
+    </p:spTree>
+    <p:extLst>
+      <p:ext uri="{BB962C8B-B14F-4D97-AF65-F5344CB8AC3E}">
+        <p14:creationId xmlns:p14="http://schemas.microsoft.com/office/powerpoint/2010/main" val="866034309"/>
+      </p:ext>
+    </p:extLst>
+  </p:cSld>
+  <p:clrMapOvr>
+    <a:masterClrMapping/>
+  </p:clrMapOvr>
+</p:sld>
+</file>
+
 <file path=ppt/slides/slide3.xml><?xml version="1.0" encoding="utf-8"?>
 <p:sld xmlns:a="http://schemas.openxmlformats.org/drawingml/2006/main" xmlns:r="http://schemas.openxmlformats.org/officeDocument/2006/relationships" xmlns:p="http://schemas.openxmlformats.org/presentationml/2006/main">
   <p:cSld>
